--- a/2019_Mentoring/6_weeks/멘토링_6주차.pptx
+++ b/2019_Mentoring/6_weeks/멘토링_6주차.pptx
@@ -5,28 +5,30 @@
     <p:sldMasterId id="2147483660" r:id="rId1"/>
   </p:sldMasterIdLst>
   <p:sldIdLst>
-    <p:sldId id="310" r:id="rId2"/>
-    <p:sldId id="311" r:id="rId3"/>
-    <p:sldId id="294" r:id="rId4"/>
-    <p:sldId id="295" r:id="rId5"/>
-    <p:sldId id="300" r:id="rId6"/>
-    <p:sldId id="301" r:id="rId7"/>
-    <p:sldId id="302" r:id="rId8"/>
-    <p:sldId id="303" r:id="rId9"/>
-    <p:sldId id="296" r:id="rId10"/>
-    <p:sldId id="297" r:id="rId11"/>
-    <p:sldId id="292" r:id="rId12"/>
-    <p:sldId id="293" r:id="rId13"/>
-    <p:sldId id="308" r:id="rId14"/>
-    <p:sldId id="309" r:id="rId15"/>
-    <p:sldId id="290" r:id="rId16"/>
-    <p:sldId id="291" r:id="rId17"/>
-    <p:sldId id="298" r:id="rId18"/>
-    <p:sldId id="299" r:id="rId19"/>
-    <p:sldId id="304" r:id="rId20"/>
-    <p:sldId id="305" r:id="rId21"/>
-    <p:sldId id="306" r:id="rId22"/>
-    <p:sldId id="307" r:id="rId23"/>
+    <p:sldId id="312" r:id="rId2"/>
+    <p:sldId id="313" r:id="rId3"/>
+    <p:sldId id="310" r:id="rId4"/>
+    <p:sldId id="311" r:id="rId5"/>
+    <p:sldId id="294" r:id="rId6"/>
+    <p:sldId id="295" r:id="rId7"/>
+    <p:sldId id="300" r:id="rId8"/>
+    <p:sldId id="301" r:id="rId9"/>
+    <p:sldId id="302" r:id="rId10"/>
+    <p:sldId id="303" r:id="rId11"/>
+    <p:sldId id="296" r:id="rId12"/>
+    <p:sldId id="297" r:id="rId13"/>
+    <p:sldId id="292" r:id="rId14"/>
+    <p:sldId id="293" r:id="rId15"/>
+    <p:sldId id="308" r:id="rId16"/>
+    <p:sldId id="309" r:id="rId17"/>
+    <p:sldId id="290" r:id="rId18"/>
+    <p:sldId id="291" r:id="rId19"/>
+    <p:sldId id="298" r:id="rId20"/>
+    <p:sldId id="299" r:id="rId21"/>
+    <p:sldId id="304" r:id="rId22"/>
+    <p:sldId id="305" r:id="rId23"/>
+    <p:sldId id="306" r:id="rId24"/>
+    <p:sldId id="307" r:id="rId25"/>
   </p:sldIdLst>
   <p:sldSz cx="9144000" cy="6858000" type="screen4x3"/>
   <p:notesSz cx="6858000" cy="9144000"/>
@@ -127,7 +129,7 @@
   </p:defaultTextStyle>
   <p:extLst>
     <p:ext uri="{EFAFB233-063F-42B5-8137-9DF3F51BA10A}">
-      <p15:sldGuideLst xmlns:p15="http://schemas.microsoft.com/office/powerpoint/2012/main">
+      <p15:sldGuideLst xmlns:p15="http://schemas.microsoft.com/office/powerpoint/2012/main" xmlns="">
         <p15:guide id="1" orient="horz" pos="2160">
           <p15:clr>
             <a:srgbClr val="A4A3A4"/>
@@ -314,7 +316,7 @@
                 </a:solidFill>
               </a:rPr>
               <a:pPr/>
-              <a:t>2019-05-20</a:t>
+              <a:t>2019-05-21</a:t>
             </a:fld>
             <a:endParaRPr lang="ko-KR" altLang="en-US">
               <a:solidFill>
@@ -504,7 +506,7 @@
                 </a:solidFill>
               </a:rPr>
               <a:pPr/>
-              <a:t>2019-05-20</a:t>
+              <a:t>2019-05-21</a:t>
             </a:fld>
             <a:endParaRPr lang="ko-KR" altLang="en-US">
               <a:solidFill>
@@ -704,7 +706,7 @@
                 </a:solidFill>
               </a:rPr>
               <a:pPr/>
-              <a:t>2019-05-20</a:t>
+              <a:t>2019-05-21</a:t>
             </a:fld>
             <a:endParaRPr lang="ko-KR" altLang="en-US">
               <a:solidFill>
@@ -894,7 +896,7 @@
                 </a:solidFill>
               </a:rPr>
               <a:pPr/>
-              <a:t>2019-05-20</a:t>
+              <a:t>2019-05-21</a:t>
             </a:fld>
             <a:endParaRPr lang="ko-KR" altLang="en-US">
               <a:solidFill>
@@ -1182,7 +1184,7 @@
                 </a:solidFill>
               </a:rPr>
               <a:pPr/>
-              <a:t>2019-05-20</a:t>
+              <a:t>2019-05-21</a:t>
             </a:fld>
             <a:endParaRPr lang="ko-KR" altLang="en-US">
               <a:solidFill>
@@ -1434,7 +1436,7 @@
                 </a:solidFill>
               </a:rPr>
               <a:pPr/>
-              <a:t>2019-05-20</a:t>
+              <a:t>2019-05-21</a:t>
             </a:fld>
             <a:endParaRPr lang="ko-KR" altLang="en-US">
               <a:solidFill>
@@ -1813,7 +1815,7 @@
                 </a:solidFill>
               </a:rPr>
               <a:pPr/>
-              <a:t>2019-05-20</a:t>
+              <a:t>2019-05-21</a:t>
             </a:fld>
             <a:endParaRPr lang="ko-KR" altLang="en-US">
               <a:solidFill>
@@ -1974,7 +1976,7 @@
                 </a:solidFill>
               </a:rPr>
               <a:pPr/>
-              <a:t>2019-05-20</a:t>
+              <a:t>2019-05-21</a:t>
             </a:fld>
             <a:endParaRPr lang="ko-KR" altLang="en-US">
               <a:solidFill>
@@ -2089,7 +2091,7 @@
                 </a:solidFill>
               </a:rPr>
               <a:pPr/>
-              <a:t>2019-05-20</a:t>
+              <a:t>2019-05-21</a:t>
             </a:fld>
             <a:endParaRPr lang="ko-KR" altLang="en-US">
               <a:solidFill>
@@ -2466,7 +2468,7 @@
                 </a:solidFill>
               </a:rPr>
               <a:pPr/>
-              <a:t>2019-05-20</a:t>
+              <a:t>2019-05-21</a:t>
             </a:fld>
             <a:endParaRPr lang="ko-KR" altLang="en-US">
               <a:solidFill>
@@ -2831,7 +2833,7 @@
             <a:fld id="{8F35366E-D432-43AC-B21B-98394E46B3B0}" type="datetimeFigureOut">
               <a:rPr lang="ko-KR" altLang="en-US" smtClean="0"/>
               <a:pPr/>
-              <a:t>2019-05-20</a:t>
+              <a:t>2019-05-21</a:t>
             </a:fld>
             <a:endParaRPr lang="ko-KR" altLang="en-US"/>
           </a:p>
@@ -3080,7 +3082,7 @@
                 </a:solidFill>
               </a:rPr>
               <a:pPr/>
-              <a:t>2019-05-20</a:t>
+              <a:t>2019-05-21</a:t>
             </a:fld>
             <a:endParaRPr lang="ko-KR" altLang="en-US">
               <a:solidFill>
@@ -3570,19 +3572,23 @@
             <a:pPr algn="l"/>
             <a:r>
               <a:rPr lang="en-US" altLang="ko-KR" sz="3200" dirty="0" smtClean="0"/>
-              <a:t>Example0 </a:t>
+              <a:t>Example0- </a:t>
+            </a:r>
+            <a:r>
+              <a:rPr lang="ko-KR" altLang="en-US" sz="3200" dirty="0" smtClean="0"/>
+              <a:t>평균을 구해보자</a:t>
             </a:r>
             <a:r>
               <a:rPr lang="en-US" altLang="ko-KR" sz="3200" dirty="0" smtClean="0"/>
-              <a:t>– </a:t>
+              <a:t>.( </a:t>
             </a:r>
             <a:r>
               <a:rPr lang="ko-KR" altLang="en-US" sz="3200" dirty="0" smtClean="0"/>
-              <a:t>나누어지는 가장 </a:t>
-            </a:r>
-            <a:r>
-              <a:rPr lang="ko-KR" altLang="en-US" sz="3200" dirty="0" err="1" smtClean="0"/>
-              <a:t>큰수</a:t>
+              <a:t>정정</a:t>
+            </a:r>
+            <a:r>
+              <a:rPr lang="en-US" altLang="ko-KR" sz="3200" smtClean="0"/>
+              <a:t>)</a:t>
             </a:r>
             <a:endParaRPr lang="en-US" altLang="ko-KR" sz="3200" dirty="0" smtClean="0"/>
           </a:p>
@@ -3596,7 +3602,7 @@
         </p:nvSpPr>
         <p:spPr>
           <a:xfrm>
-            <a:off x="30124" y="912244"/>
+            <a:off x="100688" y="619857"/>
             <a:ext cx="1271111" cy="584775"/>
           </a:xfrm>
           <a:prstGeom prst="rect">
@@ -3642,7 +3648,7 @@
         </p:nvSpPr>
         <p:spPr>
           <a:xfrm>
-            <a:off x="4355976" y="955312"/>
+            <a:off x="5254714" y="692696"/>
             <a:ext cx="1271111" cy="584775"/>
           </a:xfrm>
           <a:prstGeom prst="rect">
@@ -3674,224 +3680,142 @@
       </p:sp>
       <p:pic>
         <p:nvPicPr>
-          <p:cNvPr id="2" name="그림 1"/>
+          <p:cNvPr id="2050" name="Picture 2"/>
           <p:cNvPicPr>
-            <a:picLocks noChangeAspect="1"/>
+            <a:picLocks noChangeAspect="1" noChangeArrowheads="1"/>
           </p:cNvPicPr>
           <p:nvPr/>
         </p:nvPicPr>
         <p:blipFill>
-          <a:blip r:embed="rId2"/>
+          <a:blip r:embed="rId2">
+            <a:extLst>
+              <a:ext uri="{28A0092B-C50C-407E-A947-70E740481C1C}">
+                <a14:useLocalDpi xmlns:a14="http://schemas.microsoft.com/office/drawing/2010/main" val="0"/>
+              </a:ext>
+            </a:extLst>
+          </a:blip>
+          <a:srcRect/>
           <a:stretch>
             <a:fillRect/>
           </a:stretch>
         </p:blipFill>
-        <p:spPr>
-          <a:xfrm>
-            <a:off x="4499991" y="1628800"/>
-            <a:ext cx="4328853" cy="792088"/>
+        <p:spPr bwMode="auto">
+          <a:xfrm>
+            <a:off x="5609139" y="1396698"/>
+            <a:ext cx="3448115" cy="1672262"/>
           </a:xfrm>
           <a:prstGeom prst="rect">
             <a:avLst/>
           </a:prstGeom>
+          <a:noFill/>
+          <a:ln>
+            <a:noFill/>
+          </a:ln>
+          <a:effectLst/>
+          <a:extLst>
+            <a:ext uri="{909E8E84-426E-40DD-AFC4-6F175D3DCCD1}">
+              <a14:hiddenFill xmlns:a14="http://schemas.microsoft.com/office/drawing/2010/main">
+                <a:solidFill>
+                  <a:schemeClr val="accent1"/>
+                </a:solidFill>
+              </a14:hiddenFill>
+            </a:ext>
+            <a:ext uri="{91240B29-F687-4F45-9708-019B960494DF}">
+              <a14:hiddenLine xmlns:a14="http://schemas.microsoft.com/office/drawing/2010/main" w="9525">
+                <a:solidFill>
+                  <a:schemeClr val="tx1"/>
+                </a:solidFill>
+                <a:miter lim="800000"/>
+                <a:headEnd/>
+                <a:tailEnd/>
+              </a14:hiddenLine>
+            </a:ext>
+            <a:ext uri="{AF507438-7753-43E0-B8FC-AC1667EBCBE1}">
+              <a14:hiddenEffects xmlns:a14="http://schemas.microsoft.com/office/drawing/2010/main">
+                <a:effectLst>
+                  <a:outerShdw dist="35921" dir="2700000" algn="ctr" rotWithShape="0">
+                    <a:schemeClr val="bg2"/>
+                  </a:outerShdw>
+                </a:effectLst>
+              </a14:hiddenEffects>
+            </a:ext>
+          </a:extLst>
         </p:spPr>
       </p:pic>
       <p:pic>
         <p:nvPicPr>
-          <p:cNvPr id="3" name="그림 2"/>
+          <p:cNvPr id="2" name="Picture 2"/>
           <p:cNvPicPr>
-            <a:picLocks noChangeAspect="1"/>
+            <a:picLocks noChangeAspect="1" noChangeArrowheads="1"/>
           </p:cNvPicPr>
           <p:nvPr/>
         </p:nvPicPr>
         <p:blipFill>
-          <a:blip r:embed="rId3"/>
+          <a:blip r:embed="rId3">
+            <a:extLst>
+              <a:ext uri="{28A0092B-C50C-407E-A947-70E740481C1C}">
+                <a14:useLocalDpi xmlns:a14="http://schemas.microsoft.com/office/drawing/2010/main" val="0"/>
+              </a:ext>
+            </a:extLst>
+          </a:blip>
+          <a:srcRect/>
           <a:stretch>
             <a:fillRect/>
           </a:stretch>
         </p:blipFill>
-        <p:spPr>
-          <a:xfrm>
-            <a:off x="4428203" y="2564904"/>
-            <a:ext cx="4472427" cy="1006780"/>
+        <p:spPr bwMode="auto">
+          <a:xfrm>
+            <a:off x="298054" y="1396698"/>
+            <a:ext cx="5282058" cy="4572324"/>
           </a:xfrm>
           <a:prstGeom prst="rect">
             <a:avLst/>
           </a:prstGeom>
+          <a:noFill/>
+          <a:ln>
+            <a:noFill/>
+          </a:ln>
+          <a:effectLst/>
+          <a:extLst>
+            <a:ext uri="{909E8E84-426E-40DD-AFC4-6F175D3DCCD1}">
+              <a14:hiddenFill xmlns:a14="http://schemas.microsoft.com/office/drawing/2010/main">
+                <a:solidFill>
+                  <a:schemeClr val="accent1"/>
+                </a:solidFill>
+              </a14:hiddenFill>
+            </a:ext>
+            <a:ext uri="{91240B29-F687-4F45-9708-019B960494DF}">
+              <a14:hiddenLine xmlns:a14="http://schemas.microsoft.com/office/drawing/2010/main" w="9525">
+                <a:solidFill>
+                  <a:schemeClr val="tx1"/>
+                </a:solidFill>
+                <a:miter lim="800000"/>
+                <a:headEnd/>
+                <a:tailEnd/>
+              </a14:hiddenLine>
+            </a:ext>
+            <a:ext uri="{AF507438-7753-43E0-B8FC-AC1667EBCBE1}">
+              <a14:hiddenEffects xmlns:a14="http://schemas.microsoft.com/office/drawing/2010/main">
+                <a:effectLst>
+                  <a:outerShdw dist="35921" dir="2700000" algn="ctr" rotWithShape="0">
+                    <a:schemeClr val="bg2"/>
+                  </a:outerShdw>
+                </a:effectLst>
+              </a14:hiddenEffects>
+            </a:ext>
+          </a:extLst>
         </p:spPr>
       </p:pic>
-      <p:pic>
-        <p:nvPicPr>
-          <p:cNvPr id="6" name="그림 5"/>
-          <p:cNvPicPr>
-            <a:picLocks noChangeAspect="1"/>
-          </p:cNvPicPr>
-          <p:nvPr/>
-        </p:nvPicPr>
-        <p:blipFill>
-          <a:blip r:embed="rId4"/>
-          <a:stretch>
-            <a:fillRect/>
-          </a:stretch>
-        </p:blipFill>
-        <p:spPr>
-          <a:xfrm>
-            <a:off x="4355976" y="3828774"/>
-            <a:ext cx="4465996" cy="936104"/>
-          </a:xfrm>
-          <a:prstGeom prst="rect">
-            <a:avLst/>
-          </a:prstGeom>
-        </p:spPr>
-      </p:pic>
-      <p:pic>
-        <p:nvPicPr>
-          <p:cNvPr id="7" name="그림 6"/>
-          <p:cNvPicPr>
-            <a:picLocks noChangeAspect="1"/>
-          </p:cNvPicPr>
-          <p:nvPr/>
-        </p:nvPicPr>
-        <p:blipFill>
-          <a:blip r:embed="rId5"/>
-          <a:stretch>
-            <a:fillRect/>
-          </a:stretch>
-        </p:blipFill>
-        <p:spPr>
-          <a:xfrm>
-            <a:off x="45440" y="1497018"/>
-            <a:ext cx="4270257" cy="4812301"/>
-          </a:xfrm>
-          <a:prstGeom prst="rect">
-            <a:avLst/>
-          </a:prstGeom>
-        </p:spPr>
-      </p:pic>
-      <p:sp>
-        <p:nvSpPr>
-          <p:cNvPr id="9" name="TextBox 8"/>
-          <p:cNvSpPr txBox="1"/>
-          <p:nvPr/>
-        </p:nvSpPr>
-        <p:spPr>
-          <a:xfrm>
-            <a:off x="4788024" y="1957495"/>
-            <a:ext cx="1271111" cy="461665"/>
-          </a:xfrm>
-          <a:prstGeom prst="rect">
-            <a:avLst/>
-          </a:prstGeom>
-          <a:noFill/>
-        </p:spPr>
-        <p:txBody>
-          <a:bodyPr wrap="square" rtlCol="0">
-            <a:spAutoFit/>
-          </a:bodyPr>
-          <a:lstStyle/>
-          <a:p>
-            <a:r>
-              <a:rPr lang="ko-KR" altLang="en-US" sz="2400" dirty="0" smtClean="0">
-                <a:solidFill>
-                  <a:srgbClr val="FFFFFF"/>
-                </a:solidFill>
-              </a:rPr>
-              <a:t>소수</a:t>
-            </a:r>
-            <a:endParaRPr lang="en-US" altLang="ko-KR" sz="2400" dirty="0">
-              <a:solidFill>
-                <a:srgbClr val="FFFFFF"/>
-              </a:solidFill>
-            </a:endParaRPr>
-          </a:p>
-        </p:txBody>
-      </p:sp>
-      <p:sp>
-        <p:nvSpPr>
-          <p:cNvPr id="10" name="TextBox 9"/>
-          <p:cNvSpPr txBox="1"/>
-          <p:nvPr/>
-        </p:nvSpPr>
-        <p:spPr>
-          <a:xfrm>
-            <a:off x="4953601" y="2924944"/>
-            <a:ext cx="1562615" cy="461665"/>
-          </a:xfrm>
-          <a:prstGeom prst="rect">
-            <a:avLst/>
-          </a:prstGeom>
-          <a:noFill/>
-        </p:spPr>
-        <p:txBody>
-          <a:bodyPr wrap="square" rtlCol="0">
-            <a:spAutoFit/>
-          </a:bodyPr>
-          <a:lstStyle/>
-          <a:p>
-            <a:r>
-              <a:rPr lang="en-US" altLang="ko-KR" sz="2400" dirty="0" smtClean="0">
-                <a:solidFill>
-                  <a:srgbClr val="FFFFFF"/>
-                </a:solidFill>
-              </a:rPr>
-              <a:t>14,7,2,1</a:t>
-            </a:r>
-            <a:endParaRPr lang="en-US" altLang="ko-KR" sz="2400" dirty="0">
-              <a:solidFill>
-                <a:srgbClr val="FFFFFF"/>
-              </a:solidFill>
-            </a:endParaRPr>
-          </a:p>
-        </p:txBody>
-      </p:sp>
-      <p:sp>
-        <p:nvSpPr>
-          <p:cNvPr id="11" name="TextBox 10"/>
-          <p:cNvSpPr txBox="1"/>
-          <p:nvPr/>
-        </p:nvSpPr>
-        <p:spPr>
-          <a:xfrm>
-            <a:off x="4788024" y="4149080"/>
-            <a:ext cx="1562615" cy="461665"/>
-          </a:xfrm>
-          <a:prstGeom prst="rect">
-            <a:avLst/>
-          </a:prstGeom>
-          <a:noFill/>
-        </p:spPr>
-        <p:txBody>
-          <a:bodyPr wrap="square" rtlCol="0">
-            <a:spAutoFit/>
-          </a:bodyPr>
-          <a:lstStyle/>
-          <a:p>
-            <a:r>
-              <a:rPr lang="en-US" altLang="ko-KR" sz="2400" dirty="0" smtClean="0">
-                <a:solidFill>
-                  <a:srgbClr val="FFFFFF"/>
-                </a:solidFill>
-              </a:rPr>
-              <a:t>3,1</a:t>
-            </a:r>
-            <a:endParaRPr lang="en-US" altLang="ko-KR" sz="2400" dirty="0">
-              <a:solidFill>
-                <a:srgbClr val="FFFFFF"/>
-              </a:solidFill>
-            </a:endParaRPr>
-          </a:p>
-        </p:txBody>
-      </p:sp>
-      <p:sp>
-        <p:nvSpPr>
-          <p:cNvPr id="8" name="직사각형 7"/>
+      <p:sp>
+        <p:nvSpPr>
+          <p:cNvPr id="10" name="직사각형 9"/>
           <p:cNvSpPr/>
           <p:nvPr/>
         </p:nvSpPr>
         <p:spPr>
           <a:xfrm>
-            <a:off x="476819" y="4120547"/>
-            <a:ext cx="2664296" cy="605681"/>
+            <a:off x="939751" y="3618629"/>
+            <a:ext cx="864096" cy="216024"/>
           </a:xfrm>
           <a:prstGeom prst="rect">
             <a:avLst/>
@@ -3924,14 +3848,14 @@
       </p:sp>
       <p:sp>
         <p:nvSpPr>
-          <p:cNvPr id="13" name="직사각형 12"/>
+          <p:cNvPr id="11" name="직사각형 10"/>
           <p:cNvSpPr/>
           <p:nvPr/>
         </p:nvSpPr>
         <p:spPr>
           <a:xfrm>
-            <a:off x="467544" y="4118637"/>
-            <a:ext cx="2808312" cy="605681"/>
+            <a:off x="579805" y="4869160"/>
+            <a:ext cx="5029333" cy="432048"/>
           </a:xfrm>
           <a:prstGeom prst="rect">
             <a:avLst/>
@@ -3960,39 +3884,19 @@
             <a:pPr algn="ctr"/>
             <a:r>
               <a:rPr lang="en-US" altLang="ko-KR" dirty="0" smtClean="0"/>
-              <a:t>I</a:t>
+              <a:t>Hint : </a:t>
             </a:r>
             <a:r>
               <a:rPr lang="ko-KR" altLang="en-US" dirty="0" smtClean="0"/>
-              <a:t>의 값 초기화</a:t>
-            </a:r>
-            <a:endParaRPr lang="en-US" altLang="ko-KR" dirty="0" smtClean="0"/>
-          </a:p>
-          <a:p>
-            <a:pPr algn="ctr"/>
+              <a:t>강제 </a:t>
+            </a:r>
+            <a:r>
+              <a:rPr lang="ko-KR" altLang="en-US" dirty="0" err="1" smtClean="0"/>
+              <a:t>형변형</a:t>
+            </a:r>
             <a:r>
               <a:rPr lang="en-US" altLang="ko-KR" dirty="0" smtClean="0"/>
-              <a:t>Input</a:t>
-            </a:r>
-            <a:r>
-              <a:rPr lang="ko-KR" altLang="en-US" dirty="0" smtClean="0"/>
-              <a:t>과 </a:t>
-            </a:r>
-            <a:r>
-              <a:rPr lang="en-US" altLang="ko-KR" dirty="0" smtClean="0"/>
-              <a:t>i</a:t>
-            </a:r>
-            <a:r>
-              <a:rPr lang="ko-KR" altLang="en-US" dirty="0" smtClean="0"/>
-              <a:t>의 나누어 </a:t>
-            </a:r>
-            <a:r>
-              <a:rPr lang="ko-KR" altLang="en-US" dirty="0" err="1" smtClean="0"/>
-              <a:t>떨어지는수</a:t>
-            </a:r>
-            <a:r>
-              <a:rPr lang="ko-KR" altLang="en-US" dirty="0" smtClean="0"/>
-              <a:t> 반복</a:t>
+              <a:t>-&gt;(double)</a:t>
             </a:r>
             <a:endParaRPr lang="ko-KR" altLang="en-US" dirty="0"/>
           </a:p>
@@ -4001,7 +3905,7 @@
     </p:spTree>
     <p:extLst>
       <p:ext uri="{BB962C8B-B14F-4D97-AF65-F5344CB8AC3E}">
-        <p14:creationId xmlns:p14="http://schemas.microsoft.com/office/powerpoint/2010/main" val="1985433276"/>
+        <p14:creationId xmlns:p14="http://schemas.microsoft.com/office/powerpoint/2010/main" val="2895953907"/>
       </p:ext>
     </p:extLst>
   </p:cSld>
@@ -4042,7 +3946,7 @@
                                           </p:stCondLst>
                                         </p:cTn>
                                         <p:tgtEl>
-                                          <p:spTgt spid="13"/>
+                                          <p:spTgt spid="11"/>
                                         </p:tgtEl>
                                         <p:attrNameLst>
                                           <p:attrName>style.visibility</p:attrName>
@@ -4083,7 +3987,7 @@
       </p:par>
     </p:tnLst>
     <p:bldLst>
-      <p:bldP spid="13" grpId="0" animBg="1"/>
+      <p:bldP spid="11" grpId="0" animBg="1"/>
     </p:bldLst>
   </p:timing>
 </p:sld>
@@ -4108,6 +4012,519 @@
       </p:grpSpPr>
       <p:sp>
         <p:nvSpPr>
+          <p:cNvPr id="6" name="부제목 2"/>
+          <p:cNvSpPr>
+            <a:spLocks noGrp="1"/>
+          </p:cNvSpPr>
+          <p:nvPr>
+            <p:ph type="subTitle" idx="1"/>
+          </p:nvPr>
+        </p:nvSpPr>
+        <p:spPr>
+          <a:xfrm>
+            <a:off x="1" y="131886"/>
+            <a:ext cx="8820471" cy="1136874"/>
+          </a:xfrm>
+        </p:spPr>
+        <p:txBody>
+          <a:bodyPr>
+            <a:normAutofit/>
+          </a:bodyPr>
+          <a:lstStyle/>
+          <a:p>
+            <a:pPr algn="l"/>
+            <a:r>
+              <a:rPr lang="ko-KR" altLang="en-US" sz="3200" dirty="0" err="1" smtClean="0"/>
+              <a:t>반복문</a:t>
+            </a:r>
+            <a:r>
+              <a:rPr lang="ko-KR" altLang="en-US" sz="3200" dirty="0" smtClean="0"/>
+              <a:t> 이란</a:t>
+            </a:r>
+            <a:r>
+              <a:rPr lang="en-US" altLang="ko-KR" sz="3200" dirty="0" smtClean="0"/>
+              <a:t>??</a:t>
+            </a:r>
+            <a:endParaRPr lang="en-US" altLang="ko-KR" sz="4400" dirty="0"/>
+          </a:p>
+        </p:txBody>
+      </p:sp>
+      <p:sp>
+        <p:nvSpPr>
+          <p:cNvPr id="4" name="TextBox 3"/>
+          <p:cNvSpPr txBox="1"/>
+          <p:nvPr/>
+        </p:nvSpPr>
+        <p:spPr>
+          <a:xfrm>
+            <a:off x="1817758" y="1370112"/>
+            <a:ext cx="5184576" cy="584775"/>
+          </a:xfrm>
+          <a:prstGeom prst="rect">
+            <a:avLst/>
+          </a:prstGeom>
+          <a:noFill/>
+        </p:spPr>
+        <p:txBody>
+          <a:bodyPr wrap="square" rtlCol="0">
+            <a:spAutoFit/>
+          </a:bodyPr>
+          <a:lstStyle/>
+          <a:p>
+            <a:r>
+              <a:rPr lang="en-US" altLang="ko-KR" sz="3200" dirty="0" smtClean="0"/>
+              <a:t>for(</a:t>
+            </a:r>
+            <a:r>
+              <a:rPr lang="en-US" altLang="ko-KR" sz="3200" dirty="0" err="1" smtClean="0"/>
+              <a:t>i</a:t>
+            </a:r>
+            <a:r>
+              <a:rPr lang="en-US" altLang="ko-KR" sz="3200" dirty="0" smtClean="0"/>
+              <a:t>=0</a:t>
+            </a:r>
+            <a:r>
+              <a:rPr lang="ko-KR" altLang="en-US" sz="3200" dirty="0" smtClean="0"/>
+              <a:t> </a:t>
+            </a:r>
+            <a:r>
+              <a:rPr lang="en-US" altLang="ko-KR" sz="3200" dirty="0" smtClean="0"/>
+              <a:t>; </a:t>
+            </a:r>
+            <a:r>
+              <a:rPr lang="en-US" altLang="ko-KR" sz="3200" dirty="0" err="1" smtClean="0"/>
+              <a:t>i</a:t>
+            </a:r>
+            <a:r>
+              <a:rPr lang="en-US" altLang="ko-KR" sz="3200" dirty="0" smtClean="0"/>
+              <a:t>&lt;10</a:t>
+            </a:r>
+            <a:r>
+              <a:rPr lang="ko-KR" altLang="en-US" sz="3200" dirty="0" smtClean="0"/>
+              <a:t> </a:t>
+            </a:r>
+            <a:r>
+              <a:rPr lang="en-US" altLang="ko-KR" sz="3200" dirty="0" smtClean="0"/>
+              <a:t>; </a:t>
+            </a:r>
+            <a:r>
+              <a:rPr lang="en-US" altLang="ko-KR" sz="3200" dirty="0" err="1" smtClean="0"/>
+              <a:t>i</a:t>
+            </a:r>
+            <a:r>
+              <a:rPr lang="en-US" altLang="ko-KR" sz="3200" dirty="0" smtClean="0"/>
+              <a:t>++) {</a:t>
+            </a:r>
+            <a:endParaRPr lang="ko-KR" altLang="en-US" sz="3200" dirty="0"/>
+          </a:p>
+        </p:txBody>
+      </p:sp>
+      <p:pic>
+        <p:nvPicPr>
+          <p:cNvPr id="12" name="그림 11"/>
+          <p:cNvPicPr>
+            <a:picLocks noChangeAspect="1"/>
+          </p:cNvPicPr>
+          <p:nvPr/>
+        </p:nvPicPr>
+        <p:blipFill>
+          <a:blip r:embed="rId2"/>
+          <a:stretch>
+            <a:fillRect/>
+          </a:stretch>
+        </p:blipFill>
+        <p:spPr>
+          <a:xfrm>
+            <a:off x="2195736" y="2360636"/>
+            <a:ext cx="5644332" cy="1864794"/>
+          </a:xfrm>
+          <a:prstGeom prst="rect">
+            <a:avLst/>
+          </a:prstGeom>
+        </p:spPr>
+      </p:pic>
+      <p:sp>
+        <p:nvSpPr>
+          <p:cNvPr id="13" name="TextBox 12"/>
+          <p:cNvSpPr txBox="1"/>
+          <p:nvPr/>
+        </p:nvSpPr>
+        <p:spPr>
+          <a:xfrm>
+            <a:off x="1907704" y="4911557"/>
+            <a:ext cx="5184576" cy="584775"/>
+          </a:xfrm>
+          <a:prstGeom prst="rect">
+            <a:avLst/>
+          </a:prstGeom>
+          <a:noFill/>
+        </p:spPr>
+        <p:txBody>
+          <a:bodyPr wrap="square" rtlCol="0">
+            <a:spAutoFit/>
+          </a:bodyPr>
+          <a:lstStyle/>
+          <a:p>
+            <a:r>
+              <a:rPr lang="en-US" altLang="ko-KR" sz="3200" dirty="0" smtClean="0"/>
+              <a:t>}</a:t>
+            </a:r>
+            <a:endParaRPr lang="ko-KR" altLang="en-US" sz="3200" dirty="0"/>
+          </a:p>
+        </p:txBody>
+      </p:sp>
+      <p:cxnSp>
+        <p:nvCxnSpPr>
+          <p:cNvPr id="5" name="직선 연결선 4"/>
+          <p:cNvCxnSpPr/>
+          <p:nvPr/>
+        </p:nvCxnSpPr>
+        <p:spPr>
+          <a:xfrm flipV="1">
+            <a:off x="4067944" y="1628800"/>
+            <a:ext cx="3960440" cy="72008"/>
+          </a:xfrm>
+          <a:prstGeom prst="line">
+            <a:avLst/>
+          </a:prstGeom>
+          <a:ln w="28575">
+            <a:solidFill>
+              <a:srgbClr val="FF0000"/>
+            </a:solidFill>
+          </a:ln>
+        </p:spPr>
+        <p:style>
+          <a:lnRef idx="1">
+            <a:schemeClr val="accent1"/>
+          </a:lnRef>
+          <a:fillRef idx="0">
+            <a:schemeClr val="accent1"/>
+          </a:fillRef>
+          <a:effectRef idx="0">
+            <a:schemeClr val="accent1"/>
+          </a:effectRef>
+          <a:fontRef idx="minor">
+            <a:schemeClr val="tx1"/>
+          </a:fontRef>
+        </p:style>
+      </p:cxnSp>
+      <p:cxnSp>
+        <p:nvCxnSpPr>
+          <p:cNvPr id="10" name="꺾인 연결선 9"/>
+          <p:cNvCxnSpPr/>
+          <p:nvPr/>
+        </p:nvCxnSpPr>
+        <p:spPr>
+          <a:xfrm rot="10800000" flipV="1">
+            <a:off x="2123728" y="1628800"/>
+            <a:ext cx="5904656" cy="4104456"/>
+          </a:xfrm>
+          <a:prstGeom prst="bentConnector3">
+            <a:avLst>
+              <a:gd name="adj1" fmla="val -56"/>
+            </a:avLst>
+          </a:prstGeom>
+          <a:ln w="28575">
+            <a:solidFill>
+              <a:srgbClr val="FF0000"/>
+            </a:solidFill>
+            <a:tailEnd type="triangle"/>
+          </a:ln>
+        </p:spPr>
+        <p:style>
+          <a:lnRef idx="1">
+            <a:schemeClr val="accent1"/>
+          </a:lnRef>
+          <a:fillRef idx="0">
+            <a:schemeClr val="accent1"/>
+          </a:fillRef>
+          <a:effectRef idx="0">
+            <a:schemeClr val="accent1"/>
+          </a:effectRef>
+          <a:fontRef idx="minor">
+            <a:schemeClr val="tx1"/>
+          </a:fontRef>
+        </p:style>
+      </p:cxnSp>
+    </p:spTree>
+    <p:extLst>
+      <p:ext uri="{BB962C8B-B14F-4D97-AF65-F5344CB8AC3E}">
+        <p14:creationId xmlns:p14="http://schemas.microsoft.com/office/powerpoint/2010/main" val="1006288375"/>
+      </p:ext>
+    </p:extLst>
+  </p:cSld>
+  <p:clrMapOvr>
+    <a:masterClrMapping/>
+  </p:clrMapOvr>
+  <p:timing>
+    <p:tnLst>
+      <p:par>
+        <p:cTn id="1" dur="indefinite" restart="never" nodeType="tmRoot">
+          <p:childTnLst>
+            <p:seq concurrent="1" nextAc="seek">
+              <p:cTn id="2" dur="indefinite" nodeType="mainSeq">
+                <p:childTnLst>
+                  <p:par>
+                    <p:cTn id="3" fill="hold">
+                      <p:stCondLst>
+                        <p:cond delay="indefinite"/>
+                      </p:stCondLst>
+                      <p:childTnLst>
+                        <p:par>
+                          <p:cTn id="4" fill="hold">
+                            <p:stCondLst>
+                              <p:cond delay="0"/>
+                            </p:stCondLst>
+                            <p:childTnLst>
+                              <p:par>
+                                <p:cTn id="5" presetID="1" presetClass="entr" presetSubtype="0" fill="hold" nodeType="clickEffect">
+                                  <p:stCondLst>
+                                    <p:cond delay="0"/>
+                                  </p:stCondLst>
+                                  <p:childTnLst>
+                                    <p:set>
+                                      <p:cBhvr>
+                                        <p:cTn id="6" dur="1" fill="hold">
+                                          <p:stCondLst>
+                                            <p:cond delay="0"/>
+                                          </p:stCondLst>
+                                        </p:cTn>
+                                        <p:tgtEl>
+                                          <p:spTgt spid="5"/>
+                                        </p:tgtEl>
+                                        <p:attrNameLst>
+                                          <p:attrName>style.visibility</p:attrName>
+                                        </p:attrNameLst>
+                                      </p:cBhvr>
+                                      <p:to>
+                                        <p:strVal val="visible"/>
+                                      </p:to>
+                                    </p:set>
+                                  </p:childTnLst>
+                                </p:cTn>
+                              </p:par>
+                              <p:par>
+                                <p:cTn id="7" presetID="1" presetClass="entr" presetSubtype="0" fill="hold" nodeType="withEffect">
+                                  <p:stCondLst>
+                                    <p:cond delay="0"/>
+                                  </p:stCondLst>
+                                  <p:childTnLst>
+                                    <p:set>
+                                      <p:cBhvr>
+                                        <p:cTn id="8" dur="1" fill="hold">
+                                          <p:stCondLst>
+                                            <p:cond delay="0"/>
+                                          </p:stCondLst>
+                                        </p:cTn>
+                                        <p:tgtEl>
+                                          <p:spTgt spid="10"/>
+                                        </p:tgtEl>
+                                        <p:attrNameLst>
+                                          <p:attrName>style.visibility</p:attrName>
+                                        </p:attrNameLst>
+                                      </p:cBhvr>
+                                      <p:to>
+                                        <p:strVal val="visible"/>
+                                      </p:to>
+                                    </p:set>
+                                  </p:childTnLst>
+                                </p:cTn>
+                              </p:par>
+                            </p:childTnLst>
+                          </p:cTn>
+                        </p:par>
+                      </p:childTnLst>
+                    </p:cTn>
+                  </p:par>
+                </p:childTnLst>
+              </p:cTn>
+              <p:prevCondLst>
+                <p:cond evt="onPrev" delay="0">
+                  <p:tgtEl>
+                    <p:sldTgt/>
+                  </p:tgtEl>
+                </p:cond>
+              </p:prevCondLst>
+              <p:nextCondLst>
+                <p:cond evt="onNext" delay="0">
+                  <p:tgtEl>
+                    <p:sldTgt/>
+                  </p:tgtEl>
+                </p:cond>
+              </p:nextCondLst>
+            </p:seq>
+          </p:childTnLst>
+        </p:cTn>
+      </p:par>
+    </p:tnLst>
+  </p:timing>
+</p:sld>
+</file>
+
+<file path=ppt/slides/slide11.xml><?xml version="1.0" encoding="utf-8"?>
+<p:sld xmlns:a="http://schemas.openxmlformats.org/drawingml/2006/main" xmlns:r="http://schemas.openxmlformats.org/officeDocument/2006/relationships" xmlns:p="http://schemas.openxmlformats.org/presentationml/2006/main">
+  <p:cSld>
+    <p:spTree>
+      <p:nvGrpSpPr>
+        <p:cNvPr id="1" name=""/>
+        <p:cNvGrpSpPr/>
+        <p:nvPr/>
+      </p:nvGrpSpPr>
+      <p:grpSpPr>
+        <a:xfrm>
+          <a:off x="0" y="0"/>
+          <a:ext cx="0" cy="0"/>
+          <a:chOff x="0" y="0"/>
+          <a:chExt cx="0" cy="0"/>
+        </a:xfrm>
+      </p:grpSpPr>
+      <p:sp>
+        <p:nvSpPr>
+          <p:cNvPr id="5" name="부제목 2"/>
+          <p:cNvSpPr>
+            <a:spLocks noGrp="1"/>
+          </p:cNvSpPr>
+          <p:nvPr>
+            <p:ph type="subTitle" idx="1"/>
+          </p:nvPr>
+        </p:nvSpPr>
+        <p:spPr>
+          <a:xfrm>
+            <a:off x="1" y="131886"/>
+            <a:ext cx="8820471" cy="1136874"/>
+          </a:xfrm>
+        </p:spPr>
+        <p:txBody>
+          <a:bodyPr>
+            <a:normAutofit/>
+          </a:bodyPr>
+          <a:lstStyle/>
+          <a:p>
+            <a:pPr algn="l"/>
+            <a:r>
+              <a:rPr lang="en-US" altLang="ko-KR" sz="3200" dirty="0" smtClean="0"/>
+              <a:t>Example01_2 –</a:t>
+            </a:r>
+            <a:r>
+              <a:rPr lang="ko-KR" altLang="en-US" sz="3200" dirty="0" smtClean="0"/>
+              <a:t>최댓값을 구하자 </a:t>
+            </a:r>
+            <a:r>
+              <a:rPr lang="en-US" altLang="ko-KR" sz="3200" dirty="0" smtClean="0"/>
+              <a:t>(feat.</a:t>
+            </a:r>
+            <a:r>
+              <a:rPr lang="ko-KR" altLang="en-US" sz="3200" dirty="0" err="1" smtClean="0"/>
+              <a:t>반복문</a:t>
+            </a:r>
+            <a:r>
+              <a:rPr lang="en-US" altLang="ko-KR" sz="3200" dirty="0" smtClean="0"/>
+              <a:t>)</a:t>
+            </a:r>
+          </a:p>
+        </p:txBody>
+      </p:sp>
+      <p:sp>
+        <p:nvSpPr>
+          <p:cNvPr id="14" name="TextBox 13"/>
+          <p:cNvSpPr txBox="1"/>
+          <p:nvPr/>
+        </p:nvSpPr>
+        <p:spPr>
+          <a:xfrm>
+            <a:off x="827584" y="1128313"/>
+            <a:ext cx="1271111" cy="584775"/>
+          </a:xfrm>
+          <a:prstGeom prst="rect">
+            <a:avLst/>
+          </a:prstGeom>
+          <a:noFill/>
+        </p:spPr>
+        <p:txBody>
+          <a:bodyPr wrap="square" rtlCol="0">
+            <a:spAutoFit/>
+          </a:bodyPr>
+          <a:lstStyle/>
+          <a:p>
+            <a:r>
+              <a:rPr lang="ko-KR" altLang="en-US" sz="3200" dirty="0" smtClean="0">
+                <a:solidFill>
+                  <a:srgbClr val="FFFFFF"/>
+                </a:solidFill>
+              </a:rPr>
+              <a:t>결과</a:t>
+            </a:r>
+            <a:endParaRPr lang="en-US" altLang="ko-KR" sz="3200" dirty="0">
+              <a:solidFill>
+                <a:srgbClr val="FFFFFF"/>
+              </a:solidFill>
+            </a:endParaRPr>
+          </a:p>
+        </p:txBody>
+      </p:sp>
+      <p:pic>
+        <p:nvPicPr>
+          <p:cNvPr id="3" name="그림 2"/>
+          <p:cNvPicPr>
+            <a:picLocks noChangeAspect="1"/>
+          </p:cNvPicPr>
+          <p:nvPr/>
+        </p:nvPicPr>
+        <p:blipFill>
+          <a:blip r:embed="rId2"/>
+          <a:stretch>
+            <a:fillRect/>
+          </a:stretch>
+        </p:blipFill>
+        <p:spPr>
+          <a:xfrm>
+            <a:off x="2071978" y="1484784"/>
+            <a:ext cx="4777561" cy="4444698"/>
+          </a:xfrm>
+          <a:prstGeom prst="rect">
+            <a:avLst/>
+          </a:prstGeom>
+        </p:spPr>
+      </p:pic>
+    </p:spTree>
+    <p:extLst>
+      <p:ext uri="{BB962C8B-B14F-4D97-AF65-F5344CB8AC3E}">
+        <p14:creationId xmlns:p14="http://schemas.microsoft.com/office/powerpoint/2010/main" val="1200531362"/>
+      </p:ext>
+    </p:extLst>
+  </p:cSld>
+  <p:clrMapOvr>
+    <a:masterClrMapping/>
+  </p:clrMapOvr>
+  <p:timing>
+    <p:tnLst>
+      <p:par>
+        <p:cTn id="1" dur="indefinite" restart="never" nodeType="tmRoot"/>
+      </p:par>
+    </p:tnLst>
+  </p:timing>
+</p:sld>
+</file>
+
+<file path=ppt/slides/slide12.xml><?xml version="1.0" encoding="utf-8"?>
+<p:sld xmlns:a="http://schemas.openxmlformats.org/drawingml/2006/main" xmlns:r="http://schemas.openxmlformats.org/officeDocument/2006/relationships" xmlns:p="http://schemas.openxmlformats.org/presentationml/2006/main">
+  <p:cSld>
+    <p:spTree>
+      <p:nvGrpSpPr>
+        <p:cNvPr id="1" name=""/>
+        <p:cNvGrpSpPr/>
+        <p:nvPr/>
+      </p:nvGrpSpPr>
+      <p:grpSpPr>
+        <a:xfrm>
+          <a:off x="0" y="0"/>
+          <a:ext cx="0" cy="0"/>
+          <a:chOff x="0" y="0"/>
+          <a:chExt cx="0" cy="0"/>
+        </a:xfrm>
+      </p:grpSpPr>
+      <p:sp>
+        <p:nvSpPr>
           <p:cNvPr id="9" name="부제목 2"/>
           <p:cNvSpPr>
             <a:spLocks noGrp="1"/>
@@ -4181,7 +4598,7 @@
 </p:sld>
 </file>
 
-<file path=ppt/slides/slide11.xml><?xml version="1.0" encoding="utf-8"?>
+<file path=ppt/slides/slide13.xml><?xml version="1.0" encoding="utf-8"?>
 <p:sld xmlns:a="http://schemas.openxmlformats.org/drawingml/2006/main" xmlns:r="http://schemas.openxmlformats.org/officeDocument/2006/relationships" xmlns:p="http://schemas.openxmlformats.org/presentationml/2006/main">
   <p:cSld>
     <p:spTree>
@@ -4565,7 +4982,7 @@
 </p:sld>
 </file>
 
-<file path=ppt/slides/slide12.xml><?xml version="1.0" encoding="utf-8"?>
+<file path=ppt/slides/slide14.xml><?xml version="1.0" encoding="utf-8"?>
 <p:sld xmlns:a="http://schemas.openxmlformats.org/drawingml/2006/main" xmlns:r="http://schemas.openxmlformats.org/officeDocument/2006/relationships" xmlns:p="http://schemas.openxmlformats.org/presentationml/2006/main">
   <p:cSld>
     <p:spTree>
@@ -4657,7 +5074,7 @@
 </p:sld>
 </file>
 
-<file path=ppt/slides/slide13.xml><?xml version="1.0" encoding="utf-8"?>
+<file path=ppt/slides/slide15.xml><?xml version="1.0" encoding="utf-8"?>
 <p:sld xmlns:a="http://schemas.openxmlformats.org/drawingml/2006/main" xmlns:r="http://schemas.openxmlformats.org/officeDocument/2006/relationships" xmlns:p="http://schemas.openxmlformats.org/presentationml/2006/main">
   <p:cSld>
     <p:spTree>
@@ -5050,7 +5467,7 @@
 </p:sld>
 </file>
 
-<file path=ppt/slides/slide14.xml><?xml version="1.0" encoding="utf-8"?>
+<file path=ppt/slides/slide16.xml><?xml version="1.0" encoding="utf-8"?>
 <p:sld xmlns:a="http://schemas.openxmlformats.org/drawingml/2006/main" xmlns:r="http://schemas.openxmlformats.org/officeDocument/2006/relationships" xmlns:p="http://schemas.openxmlformats.org/presentationml/2006/main">
   <p:cSld>
     <p:spTree>
@@ -5821,7 +6238,7 @@
 </p:sld>
 </file>
 
-<file path=ppt/slides/slide15.xml><?xml version="1.0" encoding="utf-8"?>
+<file path=ppt/slides/slide17.xml><?xml version="1.0" encoding="utf-8"?>
 <p:sld xmlns:a="http://schemas.openxmlformats.org/drawingml/2006/main" xmlns:r="http://schemas.openxmlformats.org/officeDocument/2006/relationships" xmlns:p="http://schemas.openxmlformats.org/presentationml/2006/main">
   <p:cSld>
     <p:spTree>
@@ -6103,7 +6520,7 @@
 </p:sld>
 </file>
 
-<file path=ppt/slides/slide16.xml><?xml version="1.0" encoding="utf-8"?>
+<file path=ppt/slides/slide18.xml><?xml version="1.0" encoding="utf-8"?>
 <p:sld xmlns:a="http://schemas.openxmlformats.org/drawingml/2006/main" xmlns:r="http://schemas.openxmlformats.org/officeDocument/2006/relationships" xmlns:p="http://schemas.openxmlformats.org/presentationml/2006/main">
   <p:cSld>
     <p:spTree>
@@ -6235,342 +6652,6 @@
 </p:sld>
 </file>
 
-<file path=ppt/slides/slide17.xml><?xml version="1.0" encoding="utf-8"?>
-<p:sld xmlns:a="http://schemas.openxmlformats.org/drawingml/2006/main" xmlns:r="http://schemas.openxmlformats.org/officeDocument/2006/relationships" xmlns:p="http://schemas.openxmlformats.org/presentationml/2006/main">
-  <p:cSld>
-    <p:spTree>
-      <p:nvGrpSpPr>
-        <p:cNvPr id="1" name=""/>
-        <p:cNvGrpSpPr/>
-        <p:nvPr/>
-      </p:nvGrpSpPr>
-      <p:grpSpPr>
-        <a:xfrm>
-          <a:off x="0" y="0"/>
-          <a:ext cx="0" cy="0"/>
-          <a:chOff x="0" y="0"/>
-          <a:chExt cx="0" cy="0"/>
-        </a:xfrm>
-      </p:grpSpPr>
-      <p:sp>
-        <p:nvSpPr>
-          <p:cNvPr id="5" name="부제목 2"/>
-          <p:cNvSpPr>
-            <a:spLocks noGrp="1"/>
-          </p:cNvSpPr>
-          <p:nvPr>
-            <p:ph type="subTitle" idx="1"/>
-          </p:nvPr>
-        </p:nvSpPr>
-        <p:spPr>
-          <a:xfrm>
-            <a:off x="1" y="131886"/>
-            <a:ext cx="8820471" cy="1136874"/>
-          </a:xfrm>
-        </p:spPr>
-        <p:txBody>
-          <a:bodyPr>
-            <a:normAutofit/>
-          </a:bodyPr>
-          <a:lstStyle/>
-          <a:p>
-            <a:pPr algn="l"/>
-            <a:r>
-              <a:rPr lang="en-US" altLang="ko-KR" sz="3200" dirty="0" smtClean="0"/>
-              <a:t>Example03 </a:t>
-            </a:r>
-            <a:r>
-              <a:rPr lang="ko-KR" altLang="en-US" sz="3200" dirty="0" smtClean="0"/>
-              <a:t>별로 된 사각형 만들기</a:t>
-            </a:r>
-            <a:endParaRPr lang="en-US" altLang="ko-KR" sz="3200" dirty="0" smtClean="0"/>
-          </a:p>
-        </p:txBody>
-      </p:sp>
-      <p:sp>
-        <p:nvSpPr>
-          <p:cNvPr id="14" name="TextBox 13"/>
-          <p:cNvSpPr txBox="1"/>
-          <p:nvPr/>
-        </p:nvSpPr>
-        <p:spPr>
-          <a:xfrm>
-            <a:off x="3923928" y="835925"/>
-            <a:ext cx="1271111" cy="584775"/>
-          </a:xfrm>
-          <a:prstGeom prst="rect">
-            <a:avLst/>
-          </a:prstGeom>
-          <a:noFill/>
-        </p:spPr>
-        <p:txBody>
-          <a:bodyPr wrap="square" rtlCol="0">
-            <a:spAutoFit/>
-          </a:bodyPr>
-          <a:lstStyle/>
-          <a:p>
-            <a:r>
-              <a:rPr lang="en-US" altLang="ko-KR" sz="3200" dirty="0">
-                <a:solidFill>
-                  <a:srgbClr val="FFFFFF"/>
-                </a:solidFill>
-              </a:rPr>
-              <a:t>Main()</a:t>
-            </a:r>
-            <a:r>
-              <a:rPr lang="ko-KR" altLang="en-US" sz="3200" dirty="0">
-                <a:solidFill>
-                  <a:srgbClr val="FFFFFF"/>
-                </a:solidFill>
-              </a:rPr>
-              <a:t> </a:t>
-            </a:r>
-            <a:endParaRPr lang="en-US" altLang="ko-KR" sz="3200" dirty="0">
-              <a:solidFill>
-                <a:srgbClr val="FFFFFF"/>
-              </a:solidFill>
-            </a:endParaRPr>
-          </a:p>
-        </p:txBody>
-      </p:sp>
-      <p:sp>
-        <p:nvSpPr>
-          <p:cNvPr id="4" name="TextBox 3"/>
-          <p:cNvSpPr txBox="1"/>
-          <p:nvPr/>
-        </p:nvSpPr>
-        <p:spPr>
-          <a:xfrm>
-            <a:off x="154479" y="976372"/>
-            <a:ext cx="1271111" cy="584775"/>
-          </a:xfrm>
-          <a:prstGeom prst="rect">
-            <a:avLst/>
-          </a:prstGeom>
-          <a:noFill/>
-        </p:spPr>
-        <p:txBody>
-          <a:bodyPr wrap="square" rtlCol="0">
-            <a:spAutoFit/>
-          </a:bodyPr>
-          <a:lstStyle/>
-          <a:p>
-            <a:r>
-              <a:rPr lang="ko-KR" altLang="en-US" sz="3200" dirty="0" smtClean="0">
-                <a:solidFill>
-                  <a:srgbClr val="FFFFFF"/>
-                </a:solidFill>
-              </a:rPr>
-              <a:t>결과</a:t>
-            </a:r>
-            <a:endParaRPr lang="en-US" altLang="ko-KR" sz="3200" dirty="0">
-              <a:solidFill>
-                <a:srgbClr val="FFFFFF"/>
-              </a:solidFill>
-            </a:endParaRPr>
-          </a:p>
-        </p:txBody>
-      </p:sp>
-      <p:pic>
-        <p:nvPicPr>
-          <p:cNvPr id="3" name="그림 2"/>
-          <p:cNvPicPr>
-            <a:picLocks noChangeAspect="1"/>
-          </p:cNvPicPr>
-          <p:nvPr/>
-        </p:nvPicPr>
-        <p:blipFill>
-          <a:blip r:embed="rId2"/>
-          <a:stretch>
-            <a:fillRect/>
-          </a:stretch>
-        </p:blipFill>
-        <p:spPr>
-          <a:xfrm>
-            <a:off x="323528" y="1772816"/>
-            <a:ext cx="3336396" cy="1840770"/>
-          </a:xfrm>
-          <a:prstGeom prst="rect">
-            <a:avLst/>
-          </a:prstGeom>
-        </p:spPr>
-      </p:pic>
-      <p:pic>
-        <p:nvPicPr>
-          <p:cNvPr id="6" name="그림 5"/>
-          <p:cNvPicPr>
-            <a:picLocks noChangeAspect="1"/>
-          </p:cNvPicPr>
-          <p:nvPr/>
-        </p:nvPicPr>
-        <p:blipFill>
-          <a:blip r:embed="rId3"/>
-          <a:stretch>
-            <a:fillRect/>
-          </a:stretch>
-        </p:blipFill>
-        <p:spPr>
-          <a:xfrm>
-            <a:off x="3923928" y="1420700"/>
-            <a:ext cx="4104456" cy="5293964"/>
-          </a:xfrm>
-          <a:prstGeom prst="rect">
-            <a:avLst/>
-          </a:prstGeom>
-        </p:spPr>
-      </p:pic>
-      <p:sp>
-        <p:nvSpPr>
-          <p:cNvPr id="7" name="직사각형 6"/>
-          <p:cNvSpPr/>
-          <p:nvPr/>
-        </p:nvSpPr>
-        <p:spPr>
-          <a:xfrm>
-            <a:off x="4410236" y="4077072"/>
-            <a:ext cx="3474132" cy="1440160"/>
-          </a:xfrm>
-          <a:prstGeom prst="rect">
-            <a:avLst/>
-          </a:prstGeom>
-        </p:spPr>
-        <p:style>
-          <a:lnRef idx="2">
-            <a:schemeClr val="accent1">
-              <a:shade val="50000"/>
-            </a:schemeClr>
-          </a:lnRef>
-          <a:fillRef idx="1">
-            <a:schemeClr val="accent1"/>
-          </a:fillRef>
-          <a:effectRef idx="0">
-            <a:schemeClr val="accent1"/>
-          </a:effectRef>
-          <a:fontRef idx="minor">
-            <a:schemeClr val="lt1"/>
-          </a:fontRef>
-        </p:style>
-        <p:txBody>
-          <a:bodyPr rtlCol="0" anchor="ctr"/>
-          <a:lstStyle/>
-          <a:p>
-            <a:pPr algn="ctr"/>
-            <a:endParaRPr lang="ko-KR" altLang="en-US"/>
-          </a:p>
-        </p:txBody>
-      </p:sp>
-    </p:spTree>
-    <p:extLst>
-      <p:ext uri="{BB962C8B-B14F-4D97-AF65-F5344CB8AC3E}">
-        <p14:creationId xmlns:p14="http://schemas.microsoft.com/office/powerpoint/2010/main" val="3663797643"/>
-      </p:ext>
-    </p:extLst>
-  </p:cSld>
-  <p:clrMapOvr>
-    <a:masterClrMapping/>
-  </p:clrMapOvr>
-  <p:timing>
-    <p:tnLst>
-      <p:par>
-        <p:cTn id="1" dur="indefinite" restart="never" nodeType="tmRoot"/>
-      </p:par>
-    </p:tnLst>
-  </p:timing>
-</p:sld>
-</file>
-
-<file path=ppt/slides/slide18.xml><?xml version="1.0" encoding="utf-8"?>
-<p:sld xmlns:a="http://schemas.openxmlformats.org/drawingml/2006/main" xmlns:r="http://schemas.openxmlformats.org/officeDocument/2006/relationships" xmlns:p="http://schemas.openxmlformats.org/presentationml/2006/main">
-  <p:cSld>
-    <p:spTree>
-      <p:nvGrpSpPr>
-        <p:cNvPr id="1" name=""/>
-        <p:cNvGrpSpPr/>
-        <p:nvPr/>
-      </p:nvGrpSpPr>
-      <p:grpSpPr>
-        <a:xfrm>
-          <a:off x="0" y="0"/>
-          <a:ext cx="0" cy="0"/>
-          <a:chOff x="0" y="0"/>
-          <a:chExt cx="0" cy="0"/>
-        </a:xfrm>
-      </p:grpSpPr>
-      <p:sp>
-        <p:nvSpPr>
-          <p:cNvPr id="9" name="부제목 2"/>
-          <p:cNvSpPr>
-            <a:spLocks noGrp="1"/>
-          </p:cNvSpPr>
-          <p:nvPr>
-            <p:ph type="subTitle" idx="1"/>
-          </p:nvPr>
-        </p:nvSpPr>
-        <p:spPr>
-          <a:xfrm>
-            <a:off x="1" y="131886"/>
-            <a:ext cx="7669091" cy="606671"/>
-          </a:xfrm>
-        </p:spPr>
-        <p:txBody>
-          <a:bodyPr>
-            <a:normAutofit fontScale="92500" lnSpcReduction="20000"/>
-          </a:bodyPr>
-          <a:lstStyle/>
-          <a:p>
-            <a:pPr algn="l"/>
-            <a:r>
-              <a:rPr lang="ko-KR" altLang="en-US" sz="4400" dirty="0" smtClean="0"/>
-              <a:t>답</a:t>
-            </a:r>
-            <a:endParaRPr lang="en-US" altLang="ko-KR" sz="4400" dirty="0"/>
-          </a:p>
-        </p:txBody>
-      </p:sp>
-      <p:pic>
-        <p:nvPicPr>
-          <p:cNvPr id="3" name="그림 2"/>
-          <p:cNvPicPr>
-            <a:picLocks noChangeAspect="1"/>
-          </p:cNvPicPr>
-          <p:nvPr/>
-        </p:nvPicPr>
-        <p:blipFill>
-          <a:blip r:embed="rId2"/>
-          <a:stretch>
-            <a:fillRect/>
-          </a:stretch>
-        </p:blipFill>
-        <p:spPr>
-          <a:xfrm>
-            <a:off x="1619672" y="332656"/>
-            <a:ext cx="4752528" cy="6129853"/>
-          </a:xfrm>
-          <a:prstGeom prst="rect">
-            <a:avLst/>
-          </a:prstGeom>
-        </p:spPr>
-      </p:pic>
-    </p:spTree>
-    <p:extLst>
-      <p:ext uri="{BB962C8B-B14F-4D97-AF65-F5344CB8AC3E}">
-        <p14:creationId xmlns:p14="http://schemas.microsoft.com/office/powerpoint/2010/main" val="4234553890"/>
-      </p:ext>
-    </p:extLst>
-  </p:cSld>
-  <p:clrMapOvr>
-    <a:masterClrMapping/>
-  </p:clrMapOvr>
-  <p:timing>
-    <p:tnLst>
-      <p:par>
-        <p:cTn id="1" dur="indefinite" restart="never" nodeType="tmRoot"/>
-      </p:par>
-    </p:tnLst>
-  </p:timing>
-</p:sld>
-</file>
-
 <file path=ppt/slides/slide19.xml><?xml version="1.0" encoding="utf-8"?>
 <p:sld xmlns:a="http://schemas.openxmlformats.org/drawingml/2006/main" xmlns:r="http://schemas.openxmlformats.org/officeDocument/2006/relationships" xmlns:p="http://schemas.openxmlformats.org/presentationml/2006/main">
   <p:cSld>
@@ -6613,16 +6694,59 @@
             <a:pPr algn="l"/>
             <a:r>
               <a:rPr lang="en-US" altLang="ko-KR" sz="3200" dirty="0" smtClean="0"/>
-              <a:t>Example04 – </a:t>
+              <a:t>Example03 </a:t>
             </a:r>
             <a:r>
               <a:rPr lang="ko-KR" altLang="en-US" sz="3200" dirty="0" smtClean="0"/>
-              <a:t>소수들을 구하자</a:t>
-            </a:r>
-            <a:r>
-              <a:rPr lang="en-US" altLang="ko-KR" sz="3200" dirty="0" smtClean="0"/>
-              <a:t>.</a:t>
-            </a:r>
+              <a:t>별로 된 사각형 만들기</a:t>
+            </a:r>
+            <a:endParaRPr lang="en-US" altLang="ko-KR" sz="3200" dirty="0" smtClean="0"/>
+          </a:p>
+        </p:txBody>
+      </p:sp>
+      <p:sp>
+        <p:nvSpPr>
+          <p:cNvPr id="14" name="TextBox 13"/>
+          <p:cNvSpPr txBox="1"/>
+          <p:nvPr/>
+        </p:nvSpPr>
+        <p:spPr>
+          <a:xfrm>
+            <a:off x="3923928" y="835925"/>
+            <a:ext cx="1271111" cy="584775"/>
+          </a:xfrm>
+          <a:prstGeom prst="rect">
+            <a:avLst/>
+          </a:prstGeom>
+          <a:noFill/>
+        </p:spPr>
+        <p:txBody>
+          <a:bodyPr wrap="square" rtlCol="0">
+            <a:spAutoFit/>
+          </a:bodyPr>
+          <a:lstStyle/>
+          <a:p>
+            <a:r>
+              <a:rPr lang="en-US" altLang="ko-KR" sz="3200" dirty="0">
+                <a:solidFill>
+                  <a:srgbClr val="FFFFFF"/>
+                </a:solidFill>
+              </a:rPr>
+              <a:t>Main()</a:t>
+            </a:r>
+            <a:r>
+              <a:rPr lang="ko-KR" altLang="en-US" sz="3200" dirty="0">
+                <a:solidFill>
+                  <a:srgbClr val="FFFFFF"/>
+                </a:solidFill>
+              </a:rPr>
+              <a:t> </a:t>
+            </a:r>
+            <a:endParaRPr lang="en-US" altLang="ko-KR" sz="3200" dirty="0">
+              <a:solidFill>
+                <a:srgbClr val="FFFFFF"/>
+              </a:solidFill>
+            </a:endParaRPr>
           </a:p>
         </p:txBody>
       </p:sp>
@@ -6634,7 +6758,7 @@
         </p:nvSpPr>
         <p:spPr>
           <a:xfrm>
-            <a:off x="108536" y="784021"/>
+            <a:off x="154479" y="976372"/>
             <a:ext cx="1271111" cy="584775"/>
           </a:xfrm>
           <a:prstGeom prst="rect">
@@ -6666,7 +6790,7 @@
       </p:sp>
       <p:pic>
         <p:nvPicPr>
-          <p:cNvPr id="2" name="그림 1"/>
+          <p:cNvPr id="3" name="그림 2"/>
           <p:cNvPicPr>
             <a:picLocks noChangeAspect="1"/>
           </p:cNvPicPr>
@@ -6680,24 +6804,48 @@
         </p:blipFill>
         <p:spPr>
           <a:xfrm>
-            <a:off x="4211960" y="917431"/>
-            <a:ext cx="4104456" cy="5468969"/>
+            <a:off x="323528" y="1772816"/>
+            <a:ext cx="3336396" cy="1840770"/>
           </a:xfrm>
           <a:prstGeom prst="rect">
             <a:avLst/>
           </a:prstGeom>
         </p:spPr>
       </p:pic>
-      <p:sp>
-        <p:nvSpPr>
-          <p:cNvPr id="3" name="직사각형 2"/>
+      <p:pic>
+        <p:nvPicPr>
+          <p:cNvPr id="6" name="그림 5"/>
+          <p:cNvPicPr>
+            <a:picLocks noChangeAspect="1"/>
+          </p:cNvPicPr>
+          <p:nvPr/>
+        </p:nvPicPr>
+        <p:blipFill>
+          <a:blip r:embed="rId3"/>
+          <a:stretch>
+            <a:fillRect/>
+          </a:stretch>
+        </p:blipFill>
+        <p:spPr>
+          <a:xfrm>
+            <a:off x="3923928" y="1420700"/>
+            <a:ext cx="4104456" cy="5293964"/>
+          </a:xfrm>
+          <a:prstGeom prst="rect">
+            <a:avLst/>
+          </a:prstGeom>
+        </p:spPr>
+      </p:pic>
+      <p:sp>
+        <p:nvSpPr>
+          <p:cNvPr id="7" name="직사각형 6"/>
           <p:cNvSpPr/>
           <p:nvPr/>
         </p:nvSpPr>
         <p:spPr>
           <a:xfrm>
-            <a:off x="4572000" y="2996952"/>
-            <a:ext cx="3600400" cy="1944216"/>
+            <a:off x="4410236" y="4077072"/>
+            <a:ext cx="3474132" cy="1440160"/>
           </a:xfrm>
           <a:prstGeom prst="rect">
             <a:avLst/>
@@ -6728,104 +6876,10 @@
           </a:p>
         </p:txBody>
       </p:sp>
-      <p:sp>
-        <p:nvSpPr>
-          <p:cNvPr id="7" name="TextBox 6"/>
-          <p:cNvSpPr txBox="1"/>
-          <p:nvPr/>
-        </p:nvSpPr>
-        <p:spPr>
-          <a:xfrm>
-            <a:off x="6899507" y="884057"/>
-            <a:ext cx="1271111" cy="584775"/>
-          </a:xfrm>
-          <a:prstGeom prst="rect">
-            <a:avLst/>
-          </a:prstGeom>
-          <a:noFill/>
-        </p:spPr>
-        <p:txBody>
-          <a:bodyPr wrap="square" rtlCol="0">
-            <a:spAutoFit/>
-          </a:bodyPr>
-          <a:lstStyle/>
-          <a:p>
-            <a:r>
-              <a:rPr lang="en-US" altLang="ko-KR" sz="3200" dirty="0">
-                <a:solidFill>
-                  <a:srgbClr val="FFFFFF"/>
-                </a:solidFill>
-              </a:rPr>
-              <a:t>Main()</a:t>
-            </a:r>
-            <a:r>
-              <a:rPr lang="ko-KR" altLang="en-US" sz="3200" dirty="0">
-                <a:solidFill>
-                  <a:srgbClr val="FFFFFF"/>
-                </a:solidFill>
-              </a:rPr>
-              <a:t> </a:t>
-            </a:r>
-            <a:endParaRPr lang="en-US" altLang="ko-KR" sz="3200" dirty="0">
-              <a:solidFill>
-                <a:srgbClr val="FFFFFF"/>
-              </a:solidFill>
-            </a:endParaRPr>
-          </a:p>
-        </p:txBody>
-      </p:sp>
-      <p:pic>
-        <p:nvPicPr>
-          <p:cNvPr id="6" name="그림 5"/>
-          <p:cNvPicPr>
-            <a:picLocks noChangeAspect="1"/>
-          </p:cNvPicPr>
-          <p:nvPr/>
-        </p:nvPicPr>
-        <p:blipFill>
-          <a:blip r:embed="rId3"/>
-          <a:stretch>
-            <a:fillRect/>
-          </a:stretch>
-        </p:blipFill>
-        <p:spPr>
-          <a:xfrm>
-            <a:off x="236647" y="1473220"/>
-            <a:ext cx="3736054" cy="731644"/>
-          </a:xfrm>
-          <a:prstGeom prst="rect">
-            <a:avLst/>
-          </a:prstGeom>
-        </p:spPr>
-      </p:pic>
-      <p:pic>
-        <p:nvPicPr>
-          <p:cNvPr id="8" name="그림 7"/>
-          <p:cNvPicPr>
-            <a:picLocks noChangeAspect="1"/>
-          </p:cNvPicPr>
-          <p:nvPr/>
-        </p:nvPicPr>
-        <p:blipFill>
-          <a:blip r:embed="rId4"/>
-          <a:stretch>
-            <a:fillRect/>
-          </a:stretch>
-        </p:blipFill>
-        <p:spPr>
-          <a:xfrm>
-            <a:off x="236646" y="2768351"/>
-            <a:ext cx="3327241" cy="1093887"/>
-          </a:xfrm>
-          <a:prstGeom prst="rect">
-            <a:avLst/>
-          </a:prstGeom>
-        </p:spPr>
-      </p:pic>
     </p:spTree>
     <p:extLst>
       <p:ext uri="{BB962C8B-B14F-4D97-AF65-F5344CB8AC3E}">
-        <p14:creationId xmlns:p14="http://schemas.microsoft.com/office/powerpoint/2010/main" val="705564936"/>
+        <p14:creationId xmlns:p14="http://schemas.microsoft.com/office/powerpoint/2010/main" val="3663797643"/>
       </p:ext>
     </p:extLst>
   </p:cSld>
@@ -6892,32 +6946,72 @@
       </p:sp>
       <p:pic>
         <p:nvPicPr>
-          <p:cNvPr id="3" name="그림 2"/>
+          <p:cNvPr id="1026" name="Picture 2"/>
           <p:cNvPicPr>
-            <a:picLocks noChangeAspect="1"/>
+            <a:picLocks noChangeAspect="1" noChangeArrowheads="1"/>
           </p:cNvPicPr>
           <p:nvPr/>
         </p:nvPicPr>
         <p:blipFill>
-          <a:blip r:embed="rId2"/>
+          <a:blip r:embed="rId2">
+            <a:extLst>
+              <a:ext uri="{28A0092B-C50C-407E-A947-70E740481C1C}">
+                <a14:useLocalDpi xmlns:a14="http://schemas.microsoft.com/office/drawing/2010/main" val="0"/>
+              </a:ext>
+            </a:extLst>
+          </a:blip>
+          <a:srcRect/>
           <a:stretch>
             <a:fillRect/>
           </a:stretch>
         </p:blipFill>
-        <p:spPr>
-          <a:xfrm>
-            <a:off x="1691680" y="548680"/>
-            <a:ext cx="5256584" cy="5923828"/>
+        <p:spPr bwMode="auto">
+          <a:xfrm>
+            <a:off x="1187624" y="980728"/>
+            <a:ext cx="5990431" cy="5185515"/>
           </a:xfrm>
           <a:prstGeom prst="rect">
             <a:avLst/>
           </a:prstGeom>
+          <a:noFill/>
+          <a:ln>
+            <a:noFill/>
+          </a:ln>
+          <a:effectLst/>
+          <a:extLst>
+            <a:ext uri="{909E8E84-426E-40DD-AFC4-6F175D3DCCD1}">
+              <a14:hiddenFill xmlns:a14="http://schemas.microsoft.com/office/drawing/2010/main">
+                <a:solidFill>
+                  <a:schemeClr val="accent1"/>
+                </a:solidFill>
+              </a14:hiddenFill>
+            </a:ext>
+            <a:ext uri="{91240B29-F687-4F45-9708-019B960494DF}">
+              <a14:hiddenLine xmlns:a14="http://schemas.microsoft.com/office/drawing/2010/main" w="9525">
+                <a:solidFill>
+                  <a:schemeClr val="tx1"/>
+                </a:solidFill>
+                <a:miter lim="800000"/>
+                <a:headEnd/>
+                <a:tailEnd/>
+              </a14:hiddenLine>
+            </a:ext>
+            <a:ext uri="{AF507438-7753-43E0-B8FC-AC1667EBCBE1}">
+              <a14:hiddenEffects xmlns:a14="http://schemas.microsoft.com/office/drawing/2010/main">
+                <a:effectLst>
+                  <a:outerShdw dist="35921" dir="2700000" algn="ctr" rotWithShape="0">
+                    <a:schemeClr val="bg2"/>
+                  </a:outerShdw>
+                </a:effectLst>
+              </a14:hiddenEffects>
+            </a:ext>
+          </a:extLst>
         </p:spPr>
       </p:pic>
     </p:spTree>
     <p:extLst>
       <p:ext uri="{BB962C8B-B14F-4D97-AF65-F5344CB8AC3E}">
-        <p14:creationId xmlns:p14="http://schemas.microsoft.com/office/powerpoint/2010/main" val="4156510283"/>
+        <p14:creationId xmlns:p14="http://schemas.microsoft.com/office/powerpoint/2010/main" val="1067754876"/>
       </p:ext>
     </p:extLst>
   </p:cSld>
@@ -6998,8 +7092,8 @@
         </p:blipFill>
         <p:spPr>
           <a:xfrm>
-            <a:off x="1907704" y="260648"/>
-            <a:ext cx="4824536" cy="6428437"/>
+            <a:off x="1619672" y="332656"/>
+            <a:ext cx="4752528" cy="6129853"/>
           </a:xfrm>
           <a:prstGeom prst="rect">
             <a:avLst/>
@@ -7009,7 +7103,7 @@
     </p:spTree>
     <p:extLst>
       <p:ext uri="{BB962C8B-B14F-4D97-AF65-F5344CB8AC3E}">
-        <p14:creationId xmlns:p14="http://schemas.microsoft.com/office/powerpoint/2010/main" val="4204757314"/>
+        <p14:creationId xmlns:p14="http://schemas.microsoft.com/office/powerpoint/2010/main" val="4234553890"/>
       </p:ext>
     </p:extLst>
   </p:cSld>
@@ -7068,6 +7162,369 @@
             <a:pPr algn="l"/>
             <a:r>
               <a:rPr lang="en-US" altLang="ko-KR" sz="3200" dirty="0" smtClean="0"/>
+              <a:t>Example04 – </a:t>
+            </a:r>
+            <a:r>
+              <a:rPr lang="ko-KR" altLang="en-US" sz="3200" dirty="0" smtClean="0"/>
+              <a:t>소수들을 구하자</a:t>
+            </a:r>
+            <a:r>
+              <a:rPr lang="en-US" altLang="ko-KR" sz="3200" dirty="0" smtClean="0"/>
+              <a:t>.</a:t>
+            </a:r>
+          </a:p>
+        </p:txBody>
+      </p:sp>
+      <p:sp>
+        <p:nvSpPr>
+          <p:cNvPr id="4" name="TextBox 3"/>
+          <p:cNvSpPr txBox="1"/>
+          <p:nvPr/>
+        </p:nvSpPr>
+        <p:spPr>
+          <a:xfrm>
+            <a:off x="108536" y="784021"/>
+            <a:ext cx="1271111" cy="584775"/>
+          </a:xfrm>
+          <a:prstGeom prst="rect">
+            <a:avLst/>
+          </a:prstGeom>
+          <a:noFill/>
+        </p:spPr>
+        <p:txBody>
+          <a:bodyPr wrap="square" rtlCol="0">
+            <a:spAutoFit/>
+          </a:bodyPr>
+          <a:lstStyle/>
+          <a:p>
+            <a:r>
+              <a:rPr lang="ko-KR" altLang="en-US" sz="3200" dirty="0" smtClean="0">
+                <a:solidFill>
+                  <a:srgbClr val="FFFFFF"/>
+                </a:solidFill>
+              </a:rPr>
+              <a:t>결과</a:t>
+            </a:r>
+            <a:endParaRPr lang="en-US" altLang="ko-KR" sz="3200" dirty="0">
+              <a:solidFill>
+                <a:srgbClr val="FFFFFF"/>
+              </a:solidFill>
+            </a:endParaRPr>
+          </a:p>
+        </p:txBody>
+      </p:sp>
+      <p:pic>
+        <p:nvPicPr>
+          <p:cNvPr id="2" name="그림 1"/>
+          <p:cNvPicPr>
+            <a:picLocks noChangeAspect="1"/>
+          </p:cNvPicPr>
+          <p:nvPr/>
+        </p:nvPicPr>
+        <p:blipFill>
+          <a:blip r:embed="rId2"/>
+          <a:stretch>
+            <a:fillRect/>
+          </a:stretch>
+        </p:blipFill>
+        <p:spPr>
+          <a:xfrm>
+            <a:off x="4211960" y="917431"/>
+            <a:ext cx="4104456" cy="5468969"/>
+          </a:xfrm>
+          <a:prstGeom prst="rect">
+            <a:avLst/>
+          </a:prstGeom>
+        </p:spPr>
+      </p:pic>
+      <p:sp>
+        <p:nvSpPr>
+          <p:cNvPr id="3" name="직사각형 2"/>
+          <p:cNvSpPr/>
+          <p:nvPr/>
+        </p:nvSpPr>
+        <p:spPr>
+          <a:xfrm>
+            <a:off x="4572000" y="2996952"/>
+            <a:ext cx="3600400" cy="1944216"/>
+          </a:xfrm>
+          <a:prstGeom prst="rect">
+            <a:avLst/>
+          </a:prstGeom>
+        </p:spPr>
+        <p:style>
+          <a:lnRef idx="2">
+            <a:schemeClr val="accent1">
+              <a:shade val="50000"/>
+            </a:schemeClr>
+          </a:lnRef>
+          <a:fillRef idx="1">
+            <a:schemeClr val="accent1"/>
+          </a:fillRef>
+          <a:effectRef idx="0">
+            <a:schemeClr val="accent1"/>
+          </a:effectRef>
+          <a:fontRef idx="minor">
+            <a:schemeClr val="lt1"/>
+          </a:fontRef>
+        </p:style>
+        <p:txBody>
+          <a:bodyPr rtlCol="0" anchor="ctr"/>
+          <a:lstStyle/>
+          <a:p>
+            <a:pPr algn="ctr"/>
+            <a:endParaRPr lang="ko-KR" altLang="en-US"/>
+          </a:p>
+        </p:txBody>
+      </p:sp>
+      <p:sp>
+        <p:nvSpPr>
+          <p:cNvPr id="7" name="TextBox 6"/>
+          <p:cNvSpPr txBox="1"/>
+          <p:nvPr/>
+        </p:nvSpPr>
+        <p:spPr>
+          <a:xfrm>
+            <a:off x="6899507" y="884057"/>
+            <a:ext cx="1271111" cy="584775"/>
+          </a:xfrm>
+          <a:prstGeom prst="rect">
+            <a:avLst/>
+          </a:prstGeom>
+          <a:noFill/>
+        </p:spPr>
+        <p:txBody>
+          <a:bodyPr wrap="square" rtlCol="0">
+            <a:spAutoFit/>
+          </a:bodyPr>
+          <a:lstStyle/>
+          <a:p>
+            <a:r>
+              <a:rPr lang="en-US" altLang="ko-KR" sz="3200" dirty="0">
+                <a:solidFill>
+                  <a:srgbClr val="FFFFFF"/>
+                </a:solidFill>
+              </a:rPr>
+              <a:t>Main()</a:t>
+            </a:r>
+            <a:r>
+              <a:rPr lang="ko-KR" altLang="en-US" sz="3200" dirty="0">
+                <a:solidFill>
+                  <a:srgbClr val="FFFFFF"/>
+                </a:solidFill>
+              </a:rPr>
+              <a:t> </a:t>
+            </a:r>
+            <a:endParaRPr lang="en-US" altLang="ko-KR" sz="3200" dirty="0">
+              <a:solidFill>
+                <a:srgbClr val="FFFFFF"/>
+              </a:solidFill>
+            </a:endParaRPr>
+          </a:p>
+        </p:txBody>
+      </p:sp>
+      <p:pic>
+        <p:nvPicPr>
+          <p:cNvPr id="6" name="그림 5"/>
+          <p:cNvPicPr>
+            <a:picLocks noChangeAspect="1"/>
+          </p:cNvPicPr>
+          <p:nvPr/>
+        </p:nvPicPr>
+        <p:blipFill>
+          <a:blip r:embed="rId3"/>
+          <a:stretch>
+            <a:fillRect/>
+          </a:stretch>
+        </p:blipFill>
+        <p:spPr>
+          <a:xfrm>
+            <a:off x="236647" y="1473220"/>
+            <a:ext cx="3736054" cy="731644"/>
+          </a:xfrm>
+          <a:prstGeom prst="rect">
+            <a:avLst/>
+          </a:prstGeom>
+        </p:spPr>
+      </p:pic>
+      <p:pic>
+        <p:nvPicPr>
+          <p:cNvPr id="8" name="그림 7"/>
+          <p:cNvPicPr>
+            <a:picLocks noChangeAspect="1"/>
+          </p:cNvPicPr>
+          <p:nvPr/>
+        </p:nvPicPr>
+        <p:blipFill>
+          <a:blip r:embed="rId4"/>
+          <a:stretch>
+            <a:fillRect/>
+          </a:stretch>
+        </p:blipFill>
+        <p:spPr>
+          <a:xfrm>
+            <a:off x="236646" y="2768351"/>
+            <a:ext cx="3327241" cy="1093887"/>
+          </a:xfrm>
+          <a:prstGeom prst="rect">
+            <a:avLst/>
+          </a:prstGeom>
+        </p:spPr>
+      </p:pic>
+    </p:spTree>
+    <p:extLst>
+      <p:ext uri="{BB962C8B-B14F-4D97-AF65-F5344CB8AC3E}">
+        <p14:creationId xmlns:p14="http://schemas.microsoft.com/office/powerpoint/2010/main" val="705564936"/>
+      </p:ext>
+    </p:extLst>
+  </p:cSld>
+  <p:clrMapOvr>
+    <a:masterClrMapping/>
+  </p:clrMapOvr>
+  <p:timing>
+    <p:tnLst>
+      <p:par>
+        <p:cTn id="1" dur="indefinite" restart="never" nodeType="tmRoot"/>
+      </p:par>
+    </p:tnLst>
+  </p:timing>
+</p:sld>
+</file>
+
+<file path=ppt/slides/slide22.xml><?xml version="1.0" encoding="utf-8"?>
+<p:sld xmlns:a="http://schemas.openxmlformats.org/drawingml/2006/main" xmlns:r="http://schemas.openxmlformats.org/officeDocument/2006/relationships" xmlns:p="http://schemas.openxmlformats.org/presentationml/2006/main">
+  <p:cSld>
+    <p:spTree>
+      <p:nvGrpSpPr>
+        <p:cNvPr id="1" name=""/>
+        <p:cNvGrpSpPr/>
+        <p:nvPr/>
+      </p:nvGrpSpPr>
+      <p:grpSpPr>
+        <a:xfrm>
+          <a:off x="0" y="0"/>
+          <a:ext cx="0" cy="0"/>
+          <a:chOff x="0" y="0"/>
+          <a:chExt cx="0" cy="0"/>
+        </a:xfrm>
+      </p:grpSpPr>
+      <p:sp>
+        <p:nvSpPr>
+          <p:cNvPr id="9" name="부제목 2"/>
+          <p:cNvSpPr>
+            <a:spLocks noGrp="1"/>
+          </p:cNvSpPr>
+          <p:nvPr>
+            <p:ph type="subTitle" idx="1"/>
+          </p:nvPr>
+        </p:nvSpPr>
+        <p:spPr>
+          <a:xfrm>
+            <a:off x="1" y="131886"/>
+            <a:ext cx="7669091" cy="606671"/>
+          </a:xfrm>
+        </p:spPr>
+        <p:txBody>
+          <a:bodyPr>
+            <a:normAutofit fontScale="92500" lnSpcReduction="20000"/>
+          </a:bodyPr>
+          <a:lstStyle/>
+          <a:p>
+            <a:pPr algn="l"/>
+            <a:r>
+              <a:rPr lang="ko-KR" altLang="en-US" sz="4400" dirty="0" smtClean="0"/>
+              <a:t>답</a:t>
+            </a:r>
+            <a:endParaRPr lang="en-US" altLang="ko-KR" sz="4400" dirty="0"/>
+          </a:p>
+        </p:txBody>
+      </p:sp>
+      <p:pic>
+        <p:nvPicPr>
+          <p:cNvPr id="3" name="그림 2"/>
+          <p:cNvPicPr>
+            <a:picLocks noChangeAspect="1"/>
+          </p:cNvPicPr>
+          <p:nvPr/>
+        </p:nvPicPr>
+        <p:blipFill>
+          <a:blip r:embed="rId2"/>
+          <a:stretch>
+            <a:fillRect/>
+          </a:stretch>
+        </p:blipFill>
+        <p:spPr>
+          <a:xfrm>
+            <a:off x="1907704" y="260648"/>
+            <a:ext cx="4824536" cy="6428437"/>
+          </a:xfrm>
+          <a:prstGeom prst="rect">
+            <a:avLst/>
+          </a:prstGeom>
+        </p:spPr>
+      </p:pic>
+    </p:spTree>
+    <p:extLst>
+      <p:ext uri="{BB962C8B-B14F-4D97-AF65-F5344CB8AC3E}">
+        <p14:creationId xmlns:p14="http://schemas.microsoft.com/office/powerpoint/2010/main" val="4204757314"/>
+      </p:ext>
+    </p:extLst>
+  </p:cSld>
+  <p:clrMapOvr>
+    <a:masterClrMapping/>
+  </p:clrMapOvr>
+  <p:timing>
+    <p:tnLst>
+      <p:par>
+        <p:cTn id="1" dur="indefinite" restart="never" nodeType="tmRoot"/>
+      </p:par>
+    </p:tnLst>
+  </p:timing>
+</p:sld>
+</file>
+
+<file path=ppt/slides/slide23.xml><?xml version="1.0" encoding="utf-8"?>
+<p:sld xmlns:a="http://schemas.openxmlformats.org/drawingml/2006/main" xmlns:r="http://schemas.openxmlformats.org/officeDocument/2006/relationships" xmlns:p="http://schemas.openxmlformats.org/presentationml/2006/main">
+  <p:cSld>
+    <p:spTree>
+      <p:nvGrpSpPr>
+        <p:cNvPr id="1" name=""/>
+        <p:cNvGrpSpPr/>
+        <p:nvPr/>
+      </p:nvGrpSpPr>
+      <p:grpSpPr>
+        <a:xfrm>
+          <a:off x="0" y="0"/>
+          <a:ext cx="0" cy="0"/>
+          <a:chOff x="0" y="0"/>
+          <a:chExt cx="0" cy="0"/>
+        </a:xfrm>
+      </p:grpSpPr>
+      <p:sp>
+        <p:nvSpPr>
+          <p:cNvPr id="5" name="부제목 2"/>
+          <p:cNvSpPr>
+            <a:spLocks noGrp="1"/>
+          </p:cNvSpPr>
+          <p:nvPr>
+            <p:ph type="subTitle" idx="1"/>
+          </p:nvPr>
+        </p:nvSpPr>
+        <p:spPr>
+          <a:xfrm>
+            <a:off x="1" y="131886"/>
+            <a:ext cx="8820471" cy="1136874"/>
+          </a:xfrm>
+        </p:spPr>
+        <p:txBody>
+          <a:bodyPr>
+            <a:normAutofit/>
+          </a:bodyPr>
+          <a:lstStyle/>
+          <a:p>
+            <a:pPr algn="l"/>
+            <a:r>
+              <a:rPr lang="en-US" altLang="ko-KR" sz="3200" dirty="0" smtClean="0"/>
               <a:t>Example0</a:t>
             </a:r>
           </a:p>
@@ -7177,7 +7634,7 @@
 </p:sld>
 </file>
 
-<file path=ppt/slides/slide22.xml><?xml version="1.0" encoding="utf-8"?>
+<file path=ppt/slides/slide24.xml><?xml version="1.0" encoding="utf-8"?>
 <p:sld xmlns:a="http://schemas.openxmlformats.org/drawingml/2006/main" xmlns:r="http://schemas.openxmlformats.org/officeDocument/2006/relationships" xmlns:p="http://schemas.openxmlformats.org/presentationml/2006/main">
   <p:cSld>
     <p:spTree>
@@ -7287,19 +7744,107 @@
             <a:pPr algn="l"/>
             <a:r>
               <a:rPr lang="en-US" altLang="ko-KR" sz="3200" dirty="0" smtClean="0"/>
-              <a:t>Example01_1 – </a:t>
+              <a:t>Example0 – </a:t>
             </a:r>
             <a:r>
               <a:rPr lang="ko-KR" altLang="en-US" sz="3200" dirty="0" smtClean="0"/>
-              <a:t>최댓값을 구하자</a:t>
-            </a:r>
-            <a:endParaRPr lang="en-US" altLang="ko-KR" sz="4400" dirty="0"/>
+              <a:t>나누어지는 가장 </a:t>
+            </a:r>
+            <a:r>
+              <a:rPr lang="ko-KR" altLang="en-US" sz="3200" dirty="0" err="1" smtClean="0"/>
+              <a:t>큰수</a:t>
+            </a:r>
+            <a:endParaRPr lang="en-US" altLang="ko-KR" sz="3200" dirty="0" smtClean="0"/>
+          </a:p>
+        </p:txBody>
+      </p:sp>
+      <p:sp>
+        <p:nvSpPr>
+          <p:cNvPr id="14" name="TextBox 13"/>
+          <p:cNvSpPr txBox="1"/>
+          <p:nvPr/>
+        </p:nvSpPr>
+        <p:spPr>
+          <a:xfrm>
+            <a:off x="30124" y="912244"/>
+            <a:ext cx="1271111" cy="584775"/>
+          </a:xfrm>
+          <a:prstGeom prst="rect">
+            <a:avLst/>
+          </a:prstGeom>
+          <a:noFill/>
+        </p:spPr>
+        <p:txBody>
+          <a:bodyPr wrap="square" rtlCol="0">
+            <a:spAutoFit/>
+          </a:bodyPr>
+          <a:lstStyle/>
+          <a:p>
+            <a:r>
+              <a:rPr lang="en-US" altLang="ko-KR" sz="3200" dirty="0">
+                <a:solidFill>
+                  <a:srgbClr val="FFFFFF"/>
+                </a:solidFill>
+              </a:rPr>
+              <a:t>Main()</a:t>
+            </a:r>
+            <a:r>
+              <a:rPr lang="ko-KR" altLang="en-US" sz="3200" dirty="0">
+                <a:solidFill>
+                  <a:srgbClr val="FFFFFF"/>
+                </a:solidFill>
+              </a:rPr>
+              <a:t> </a:t>
+            </a:r>
+            <a:endParaRPr lang="en-US" altLang="ko-KR" sz="3200" dirty="0">
+              <a:solidFill>
+                <a:srgbClr val="FFFFFF"/>
+              </a:solidFill>
+            </a:endParaRPr>
+          </a:p>
+        </p:txBody>
+      </p:sp>
+      <p:sp>
+        <p:nvSpPr>
+          <p:cNvPr id="4" name="TextBox 3"/>
+          <p:cNvSpPr txBox="1"/>
+          <p:nvPr/>
+        </p:nvSpPr>
+        <p:spPr>
+          <a:xfrm>
+            <a:off x="4355976" y="955312"/>
+            <a:ext cx="1271111" cy="584775"/>
+          </a:xfrm>
+          <a:prstGeom prst="rect">
+            <a:avLst/>
+          </a:prstGeom>
+          <a:noFill/>
+        </p:spPr>
+        <p:txBody>
+          <a:bodyPr wrap="square" rtlCol="0">
+            <a:spAutoFit/>
+          </a:bodyPr>
+          <a:lstStyle/>
+          <a:p>
+            <a:r>
+              <a:rPr lang="ko-KR" altLang="en-US" sz="3200" dirty="0" smtClean="0">
+                <a:solidFill>
+                  <a:srgbClr val="FFFFFF"/>
+                </a:solidFill>
+              </a:rPr>
+              <a:t>결과</a:t>
+            </a:r>
+            <a:endParaRPr lang="en-US" altLang="ko-KR" sz="3200" dirty="0">
+              <a:solidFill>
+                <a:srgbClr val="FFFFFF"/>
+              </a:solidFill>
+            </a:endParaRPr>
           </a:p>
         </p:txBody>
       </p:sp>
       <p:pic>
         <p:nvPicPr>
-          <p:cNvPr id="7" name="그림 6"/>
+          <p:cNvPr id="2" name="그림 1"/>
           <p:cNvPicPr>
             <a:picLocks noChangeAspect="1"/>
           </p:cNvPicPr>
@@ -7313,24 +7858,210 @@
         </p:blipFill>
         <p:spPr>
           <a:xfrm>
-            <a:off x="4067944" y="952579"/>
-            <a:ext cx="4680520" cy="5653575"/>
+            <a:off x="4499991" y="1628800"/>
+            <a:ext cx="4328853" cy="792088"/>
           </a:xfrm>
           <a:prstGeom prst="rect">
             <a:avLst/>
           </a:prstGeom>
         </p:spPr>
       </p:pic>
-      <p:sp>
-        <p:nvSpPr>
-          <p:cNvPr id="17" name="직사각형 16"/>
+      <p:pic>
+        <p:nvPicPr>
+          <p:cNvPr id="3" name="그림 2"/>
+          <p:cNvPicPr>
+            <a:picLocks noChangeAspect="1"/>
+          </p:cNvPicPr>
+          <p:nvPr/>
+        </p:nvPicPr>
+        <p:blipFill>
+          <a:blip r:embed="rId3"/>
+          <a:stretch>
+            <a:fillRect/>
+          </a:stretch>
+        </p:blipFill>
+        <p:spPr>
+          <a:xfrm>
+            <a:off x="4428203" y="2564904"/>
+            <a:ext cx="4472427" cy="1006780"/>
+          </a:xfrm>
+          <a:prstGeom prst="rect">
+            <a:avLst/>
+          </a:prstGeom>
+        </p:spPr>
+      </p:pic>
+      <p:pic>
+        <p:nvPicPr>
+          <p:cNvPr id="6" name="그림 5"/>
+          <p:cNvPicPr>
+            <a:picLocks noChangeAspect="1"/>
+          </p:cNvPicPr>
+          <p:nvPr/>
+        </p:nvPicPr>
+        <p:blipFill>
+          <a:blip r:embed="rId4"/>
+          <a:stretch>
+            <a:fillRect/>
+          </a:stretch>
+        </p:blipFill>
+        <p:spPr>
+          <a:xfrm>
+            <a:off x="4355976" y="3828774"/>
+            <a:ext cx="4465996" cy="936104"/>
+          </a:xfrm>
+          <a:prstGeom prst="rect">
+            <a:avLst/>
+          </a:prstGeom>
+        </p:spPr>
+      </p:pic>
+      <p:pic>
+        <p:nvPicPr>
+          <p:cNvPr id="7" name="그림 6"/>
+          <p:cNvPicPr>
+            <a:picLocks noChangeAspect="1"/>
+          </p:cNvPicPr>
+          <p:nvPr/>
+        </p:nvPicPr>
+        <p:blipFill>
+          <a:blip r:embed="rId5"/>
+          <a:stretch>
+            <a:fillRect/>
+          </a:stretch>
+        </p:blipFill>
+        <p:spPr>
+          <a:xfrm>
+            <a:off x="45440" y="1497018"/>
+            <a:ext cx="4270257" cy="4812301"/>
+          </a:xfrm>
+          <a:prstGeom prst="rect">
+            <a:avLst/>
+          </a:prstGeom>
+        </p:spPr>
+      </p:pic>
+      <p:sp>
+        <p:nvSpPr>
+          <p:cNvPr id="9" name="TextBox 8"/>
+          <p:cNvSpPr txBox="1"/>
+          <p:nvPr/>
+        </p:nvSpPr>
+        <p:spPr>
+          <a:xfrm>
+            <a:off x="4788024" y="1957495"/>
+            <a:ext cx="1271111" cy="461665"/>
+          </a:xfrm>
+          <a:prstGeom prst="rect">
+            <a:avLst/>
+          </a:prstGeom>
+          <a:noFill/>
+        </p:spPr>
+        <p:txBody>
+          <a:bodyPr wrap="square" rtlCol="0">
+            <a:spAutoFit/>
+          </a:bodyPr>
+          <a:lstStyle/>
+          <a:p>
+            <a:r>
+              <a:rPr lang="ko-KR" altLang="en-US" sz="2400" dirty="0" smtClean="0">
+                <a:solidFill>
+                  <a:srgbClr val="FFFFFF"/>
+                </a:solidFill>
+              </a:rPr>
+              <a:t>소수</a:t>
+            </a:r>
+            <a:endParaRPr lang="en-US" altLang="ko-KR" sz="2400" dirty="0">
+              <a:solidFill>
+                <a:srgbClr val="FFFFFF"/>
+              </a:solidFill>
+            </a:endParaRPr>
+          </a:p>
+        </p:txBody>
+      </p:sp>
+      <p:sp>
+        <p:nvSpPr>
+          <p:cNvPr id="10" name="TextBox 9"/>
+          <p:cNvSpPr txBox="1"/>
+          <p:nvPr/>
+        </p:nvSpPr>
+        <p:spPr>
+          <a:xfrm>
+            <a:off x="4953601" y="2924944"/>
+            <a:ext cx="1562615" cy="461665"/>
+          </a:xfrm>
+          <a:prstGeom prst="rect">
+            <a:avLst/>
+          </a:prstGeom>
+          <a:noFill/>
+        </p:spPr>
+        <p:txBody>
+          <a:bodyPr wrap="square" rtlCol="0">
+            <a:spAutoFit/>
+          </a:bodyPr>
+          <a:lstStyle/>
+          <a:p>
+            <a:r>
+              <a:rPr lang="en-US" altLang="ko-KR" sz="2400" dirty="0" smtClean="0">
+                <a:solidFill>
+                  <a:srgbClr val="FFFFFF"/>
+                </a:solidFill>
+              </a:rPr>
+              <a:t>14,7,2,1</a:t>
+            </a:r>
+            <a:endParaRPr lang="en-US" altLang="ko-KR" sz="2400" dirty="0">
+              <a:solidFill>
+                <a:srgbClr val="FFFFFF"/>
+              </a:solidFill>
+            </a:endParaRPr>
+          </a:p>
+        </p:txBody>
+      </p:sp>
+      <p:sp>
+        <p:nvSpPr>
+          <p:cNvPr id="11" name="TextBox 10"/>
+          <p:cNvSpPr txBox="1"/>
+          <p:nvPr/>
+        </p:nvSpPr>
+        <p:spPr>
+          <a:xfrm>
+            <a:off x="4788024" y="4149080"/>
+            <a:ext cx="1562615" cy="461665"/>
+          </a:xfrm>
+          <a:prstGeom prst="rect">
+            <a:avLst/>
+          </a:prstGeom>
+          <a:noFill/>
+        </p:spPr>
+        <p:txBody>
+          <a:bodyPr wrap="square" rtlCol="0">
+            <a:spAutoFit/>
+          </a:bodyPr>
+          <a:lstStyle/>
+          <a:p>
+            <a:r>
+              <a:rPr lang="en-US" altLang="ko-KR" sz="2400" dirty="0" smtClean="0">
+                <a:solidFill>
+                  <a:srgbClr val="FFFFFF"/>
+                </a:solidFill>
+              </a:rPr>
+              <a:t>3,1</a:t>
+            </a:r>
+            <a:endParaRPr lang="en-US" altLang="ko-KR" sz="2400" dirty="0">
+              <a:solidFill>
+                <a:srgbClr val="FFFFFF"/>
+              </a:solidFill>
+            </a:endParaRPr>
+          </a:p>
+        </p:txBody>
+      </p:sp>
+      <p:sp>
+        <p:nvSpPr>
+          <p:cNvPr id="8" name="직사각형 7"/>
           <p:cNvSpPr/>
           <p:nvPr/>
         </p:nvSpPr>
         <p:spPr>
           <a:xfrm>
-            <a:off x="4922804" y="2428089"/>
-            <a:ext cx="1224136" cy="216024"/>
+            <a:off x="476819" y="4120547"/>
+            <a:ext cx="2664296" cy="605681"/>
           </a:xfrm>
           <a:prstGeom prst="rect">
             <a:avLst/>
@@ -7363,14 +8094,14 @@
       </p:sp>
       <p:sp>
         <p:nvSpPr>
-          <p:cNvPr id="18" name="직사각형 17"/>
+          <p:cNvPr id="13" name="직사각형 12"/>
           <p:cNvSpPr/>
           <p:nvPr/>
         </p:nvSpPr>
         <p:spPr>
           <a:xfrm>
-            <a:off x="4950512" y="2681212"/>
-            <a:ext cx="1224136" cy="216024"/>
+            <a:off x="467544" y="4118637"/>
+            <a:ext cx="2808312" cy="605681"/>
           </a:xfrm>
           <a:prstGeom prst="rect">
             <a:avLst/>
@@ -7397,282 +8128,50 @@
           <a:lstStyle/>
           <a:p>
             <a:pPr algn="ctr"/>
-            <a:endParaRPr lang="ko-KR" altLang="en-US"/>
-          </a:p>
-        </p:txBody>
-      </p:sp>
-      <p:sp>
-        <p:nvSpPr>
-          <p:cNvPr id="19" name="직사각형 18"/>
-          <p:cNvSpPr/>
-          <p:nvPr/>
-        </p:nvSpPr>
-        <p:spPr>
-          <a:xfrm>
-            <a:off x="4932040" y="3823949"/>
-            <a:ext cx="1224136" cy="216024"/>
-          </a:xfrm>
-          <a:prstGeom prst="rect">
-            <a:avLst/>
-          </a:prstGeom>
-        </p:spPr>
-        <p:style>
-          <a:lnRef idx="2">
-            <a:schemeClr val="accent1">
-              <a:shade val="50000"/>
-            </a:schemeClr>
-          </a:lnRef>
-          <a:fillRef idx="1">
-            <a:schemeClr val="accent1"/>
-          </a:fillRef>
-          <a:effectRef idx="0">
-            <a:schemeClr val="accent1"/>
-          </a:effectRef>
-          <a:fontRef idx="minor">
-            <a:schemeClr val="lt1"/>
-          </a:fontRef>
-        </p:style>
-        <p:txBody>
-          <a:bodyPr rtlCol="0" anchor="ctr"/>
-          <a:lstStyle/>
+            <a:r>
+              <a:rPr lang="en-US" altLang="ko-KR" dirty="0" smtClean="0"/>
+              <a:t>I</a:t>
+            </a:r>
+            <a:r>
+              <a:rPr lang="ko-KR" altLang="en-US" dirty="0" smtClean="0"/>
+              <a:t>의 값 초기화</a:t>
+            </a:r>
+            <a:endParaRPr lang="en-US" altLang="ko-KR" dirty="0" smtClean="0"/>
+          </a:p>
           <a:p>
             <a:pPr algn="ctr"/>
-            <a:endParaRPr lang="ko-KR" altLang="en-US"/>
-          </a:p>
-        </p:txBody>
-      </p:sp>
-      <p:sp>
-        <p:nvSpPr>
-          <p:cNvPr id="20" name="직사각형 19"/>
-          <p:cNvSpPr/>
-          <p:nvPr/>
-        </p:nvSpPr>
-        <p:spPr>
-          <a:xfrm>
-            <a:off x="4959748" y="4077072"/>
-            <a:ext cx="1224136" cy="216024"/>
-          </a:xfrm>
-          <a:prstGeom prst="rect">
-            <a:avLst/>
-          </a:prstGeom>
-        </p:spPr>
-        <p:style>
-          <a:lnRef idx="2">
-            <a:schemeClr val="accent1">
-              <a:shade val="50000"/>
-            </a:schemeClr>
-          </a:lnRef>
-          <a:fillRef idx="1">
-            <a:schemeClr val="accent1"/>
-          </a:fillRef>
-          <a:effectRef idx="0">
-            <a:schemeClr val="accent1"/>
-          </a:effectRef>
-          <a:fontRef idx="minor">
-            <a:schemeClr val="lt1"/>
-          </a:fontRef>
-        </p:style>
-        <p:txBody>
-          <a:bodyPr rtlCol="0" anchor="ctr"/>
-          <a:lstStyle/>
-          <a:p>
-            <a:pPr algn="ctr"/>
-            <a:endParaRPr lang="ko-KR" altLang="en-US"/>
-          </a:p>
-        </p:txBody>
-      </p:sp>
-      <p:sp>
-        <p:nvSpPr>
-          <p:cNvPr id="21" name="직사각형 20"/>
-          <p:cNvSpPr/>
-          <p:nvPr/>
-        </p:nvSpPr>
-        <p:spPr>
-          <a:xfrm>
-            <a:off x="4932040" y="5192101"/>
-            <a:ext cx="1224136" cy="216024"/>
-          </a:xfrm>
-          <a:prstGeom prst="rect">
-            <a:avLst/>
-          </a:prstGeom>
-        </p:spPr>
-        <p:style>
-          <a:lnRef idx="2">
-            <a:schemeClr val="accent1">
-              <a:shade val="50000"/>
-            </a:schemeClr>
-          </a:lnRef>
-          <a:fillRef idx="1">
-            <a:schemeClr val="accent1"/>
-          </a:fillRef>
-          <a:effectRef idx="0">
-            <a:schemeClr val="accent1"/>
-          </a:effectRef>
-          <a:fontRef idx="minor">
-            <a:schemeClr val="lt1"/>
-          </a:fontRef>
-        </p:style>
-        <p:txBody>
-          <a:bodyPr rtlCol="0" anchor="ctr"/>
-          <a:lstStyle/>
-          <a:p>
-            <a:pPr algn="ctr"/>
-            <a:endParaRPr lang="ko-KR" altLang="en-US"/>
-          </a:p>
-        </p:txBody>
-      </p:sp>
-      <p:sp>
-        <p:nvSpPr>
-          <p:cNvPr id="22" name="직사각형 21"/>
-          <p:cNvSpPr/>
-          <p:nvPr/>
-        </p:nvSpPr>
-        <p:spPr>
-          <a:xfrm>
-            <a:off x="4959748" y="5445224"/>
-            <a:ext cx="1224136" cy="216024"/>
-          </a:xfrm>
-          <a:prstGeom prst="rect">
-            <a:avLst/>
-          </a:prstGeom>
-        </p:spPr>
-        <p:style>
-          <a:lnRef idx="2">
-            <a:schemeClr val="accent1">
-              <a:shade val="50000"/>
-            </a:schemeClr>
-          </a:lnRef>
-          <a:fillRef idx="1">
-            <a:schemeClr val="accent1"/>
-          </a:fillRef>
-          <a:effectRef idx="0">
-            <a:schemeClr val="accent1"/>
-          </a:effectRef>
-          <a:fontRef idx="minor">
-            <a:schemeClr val="lt1"/>
-          </a:fontRef>
-        </p:style>
-        <p:txBody>
-          <a:bodyPr rtlCol="0" anchor="ctr"/>
-          <a:lstStyle/>
-          <a:p>
-            <a:pPr algn="ctr"/>
-            <a:endParaRPr lang="ko-KR" altLang="en-US"/>
-          </a:p>
-        </p:txBody>
-      </p:sp>
-      <p:sp>
-        <p:nvSpPr>
-          <p:cNvPr id="23" name="TextBox 22"/>
-          <p:cNvSpPr txBox="1"/>
-          <p:nvPr/>
-        </p:nvSpPr>
-        <p:spPr>
-          <a:xfrm>
-            <a:off x="6516216" y="908720"/>
-            <a:ext cx="1271111" cy="584775"/>
-          </a:xfrm>
-          <a:prstGeom prst="rect">
-            <a:avLst/>
-          </a:prstGeom>
-          <a:noFill/>
-        </p:spPr>
-        <p:txBody>
-          <a:bodyPr wrap="square" rtlCol="0">
-            <a:spAutoFit/>
-          </a:bodyPr>
-          <a:lstStyle/>
-          <a:p>
-            <a:r>
-              <a:rPr lang="en-US" altLang="ko-KR" sz="3200" dirty="0">
-                <a:solidFill>
-                  <a:srgbClr val="FFFFFF"/>
-                </a:solidFill>
-              </a:rPr>
-              <a:t>Main()</a:t>
-            </a:r>
-            <a:r>
-              <a:rPr lang="ko-KR" altLang="en-US" sz="3200" dirty="0">
-                <a:solidFill>
-                  <a:srgbClr val="FFFFFF"/>
-                </a:solidFill>
-              </a:rPr>
-              <a:t> </a:t>
-            </a:r>
-            <a:endParaRPr lang="en-US" altLang="ko-KR" sz="3200" dirty="0">
-              <a:solidFill>
-                <a:srgbClr val="FFFFFF"/>
-              </a:solidFill>
-            </a:endParaRPr>
-          </a:p>
-        </p:txBody>
-      </p:sp>
-      <p:pic>
-        <p:nvPicPr>
-          <p:cNvPr id="8" name="그림 7"/>
-          <p:cNvPicPr>
-            <a:picLocks noChangeAspect="1"/>
-          </p:cNvPicPr>
-          <p:nvPr/>
-        </p:nvPicPr>
-        <p:blipFill>
-          <a:blip r:embed="rId3"/>
-          <a:stretch>
-            <a:fillRect/>
-          </a:stretch>
-        </p:blipFill>
-        <p:spPr>
-          <a:xfrm>
-            <a:off x="179512" y="1592072"/>
-            <a:ext cx="3274565" cy="2701024"/>
-          </a:xfrm>
-          <a:prstGeom prst="rect">
-            <a:avLst/>
-          </a:prstGeom>
-        </p:spPr>
-      </p:pic>
-      <p:sp>
-        <p:nvSpPr>
-          <p:cNvPr id="24" name="TextBox 23"/>
-          <p:cNvSpPr txBox="1"/>
-          <p:nvPr/>
-        </p:nvSpPr>
-        <p:spPr>
-          <a:xfrm>
-            <a:off x="107504" y="980728"/>
-            <a:ext cx="1271111" cy="584775"/>
-          </a:xfrm>
-          <a:prstGeom prst="rect">
-            <a:avLst/>
-          </a:prstGeom>
-          <a:noFill/>
-        </p:spPr>
-        <p:txBody>
-          <a:bodyPr wrap="square" rtlCol="0">
-            <a:spAutoFit/>
-          </a:bodyPr>
-          <a:lstStyle/>
-          <a:p>
-            <a:r>
-              <a:rPr lang="ko-KR" altLang="en-US" sz="3200" dirty="0" smtClean="0">
-                <a:solidFill>
-                  <a:srgbClr val="FFFFFF"/>
-                </a:solidFill>
-              </a:rPr>
-              <a:t>결과</a:t>
-            </a:r>
-            <a:endParaRPr lang="en-US" altLang="ko-KR" sz="3200" dirty="0">
-              <a:solidFill>
-                <a:srgbClr val="FFFFFF"/>
-              </a:solidFill>
-            </a:endParaRPr>
+            <a:r>
+              <a:rPr lang="en-US" altLang="ko-KR" dirty="0" smtClean="0"/>
+              <a:t>Input</a:t>
+            </a:r>
+            <a:r>
+              <a:rPr lang="ko-KR" altLang="en-US" dirty="0" smtClean="0"/>
+              <a:t>과 </a:t>
+            </a:r>
+            <a:r>
+              <a:rPr lang="en-US" altLang="ko-KR" dirty="0" smtClean="0"/>
+              <a:t>i</a:t>
+            </a:r>
+            <a:r>
+              <a:rPr lang="ko-KR" altLang="en-US" dirty="0" smtClean="0"/>
+              <a:t>의 나누어 </a:t>
+            </a:r>
+            <a:r>
+              <a:rPr lang="ko-KR" altLang="en-US" dirty="0" err="1" smtClean="0"/>
+              <a:t>떨어지는수</a:t>
+            </a:r>
+            <a:r>
+              <a:rPr lang="ko-KR" altLang="en-US" dirty="0" smtClean="0"/>
+              <a:t> 반복</a:t>
+            </a:r>
+            <a:endParaRPr lang="ko-KR" altLang="en-US" dirty="0"/>
           </a:p>
         </p:txBody>
       </p:sp>
     </p:spTree>
     <p:extLst>
       <p:ext uri="{BB962C8B-B14F-4D97-AF65-F5344CB8AC3E}">
-        <p14:creationId xmlns:p14="http://schemas.microsoft.com/office/powerpoint/2010/main" val="1878198730"/>
+        <p14:creationId xmlns:p14="http://schemas.microsoft.com/office/powerpoint/2010/main" val="1985433276"/>
       </p:ext>
     </p:extLst>
   </p:cSld>
@@ -7682,9 +8181,80 @@
   <p:timing>
     <p:tnLst>
       <p:par>
-        <p:cTn id="1" dur="indefinite" restart="never" nodeType="tmRoot"/>
+        <p:cTn id="1" dur="indefinite" restart="never" nodeType="tmRoot">
+          <p:childTnLst>
+            <p:seq concurrent="1" nextAc="seek">
+              <p:cTn id="2" dur="indefinite" nodeType="mainSeq">
+                <p:childTnLst>
+                  <p:par>
+                    <p:cTn id="3" fill="hold">
+                      <p:stCondLst>
+                        <p:cond delay="indefinite"/>
+                      </p:stCondLst>
+                      <p:childTnLst>
+                        <p:par>
+                          <p:cTn id="4" fill="hold">
+                            <p:stCondLst>
+                              <p:cond delay="0"/>
+                            </p:stCondLst>
+                            <p:childTnLst>
+                              <p:par>
+                                <p:cTn id="5" presetID="1" presetClass="entr" presetSubtype="0" fill="hold" grpId="0" nodeType="clickEffect">
+                                  <p:stCondLst>
+                                    <p:cond delay="0"/>
+                                  </p:stCondLst>
+                                  <p:childTnLst>
+                                    <p:set>
+                                      <p:cBhvr>
+                                        <p:cTn id="6" dur="1" fill="hold">
+                                          <p:stCondLst>
+                                            <p:cond delay="0"/>
+                                          </p:stCondLst>
+                                        </p:cTn>
+                                        <p:tgtEl>
+                                          <p:spTgt spid="13"/>
+                                        </p:tgtEl>
+                                        <p:attrNameLst>
+                                          <p:attrName>style.visibility</p:attrName>
+                                        </p:attrNameLst>
+                                      </p:cBhvr>
+                                      <p:to>
+                                        <p:strVal val="visible"/>
+                                      </p:to>
+                                    </p:set>
+                                  </p:childTnLst>
+                                </p:cTn>
+                              </p:par>
+                            </p:childTnLst>
+                          </p:cTn>
+                        </p:par>
+                      </p:childTnLst>
+                    </p:cTn>
+                  </p:par>
+                </p:childTnLst>
+              </p:cTn>
+              <p:prevCondLst>
+                <p:cond evt="onPrev" delay="0">
+                  <p:tgtEl>
+                    <p:sldTgt/>
+                  </p:tgtEl>
+                </p:cond>
+              </p:prevCondLst>
+              <p:nextCondLst>
+                <p:cond evt="onNext" delay="0">
+                  <p:tgtEl>
+                    <p:sldTgt/>
+                  </p:tgtEl>
+                </p:cond>
+              </p:nextCondLst>
+            </p:seq>
+          </p:childTnLst>
+        </p:cTn>
       </p:par>
     </p:tnLst>
+    <p:bldLst>
+      <p:bldP spid="13" grpId="0" animBg="1"/>
+    </p:bldLst>
   </p:timing>
 </p:sld>
 </file>
@@ -7739,7 +8309,7 @@
       </p:sp>
       <p:pic>
         <p:nvPicPr>
-          <p:cNvPr id="5" name="그림 4"/>
+          <p:cNvPr id="3" name="그림 2"/>
           <p:cNvPicPr>
             <a:picLocks noChangeAspect="1"/>
           </p:cNvPicPr>
@@ -7753,8 +8323,8 @@
         </p:blipFill>
         <p:spPr>
           <a:xfrm>
-            <a:off x="1691680" y="332656"/>
-            <a:ext cx="5184576" cy="6262422"/>
+            <a:off x="1691680" y="548680"/>
+            <a:ext cx="5256584" cy="5923828"/>
           </a:xfrm>
           <a:prstGeom prst="rect">
             <a:avLst/>
@@ -7764,7 +8334,7 @@
     </p:spTree>
     <p:extLst>
       <p:ext uri="{BB962C8B-B14F-4D97-AF65-F5344CB8AC3E}">
-        <p14:creationId xmlns:p14="http://schemas.microsoft.com/office/powerpoint/2010/main" val="2221595427"/>
+        <p14:creationId xmlns:p14="http://schemas.microsoft.com/office/powerpoint/2010/main" val="4156510283"/>
       </p:ext>
     </p:extLst>
   </p:cSld>
@@ -7798,6 +8368,542 @@
           <a:chExt cx="0" cy="0"/>
         </a:xfrm>
       </p:grpSpPr>
+      <p:sp>
+        <p:nvSpPr>
+          <p:cNvPr id="5" name="부제목 2"/>
+          <p:cNvSpPr>
+            <a:spLocks noGrp="1"/>
+          </p:cNvSpPr>
+          <p:nvPr>
+            <p:ph type="subTitle" idx="1"/>
+          </p:nvPr>
+        </p:nvSpPr>
+        <p:spPr>
+          <a:xfrm>
+            <a:off x="1" y="131886"/>
+            <a:ext cx="8820471" cy="1136874"/>
+          </a:xfrm>
+        </p:spPr>
+        <p:txBody>
+          <a:bodyPr>
+            <a:normAutofit/>
+          </a:bodyPr>
+          <a:lstStyle/>
+          <a:p>
+            <a:pPr algn="l"/>
+            <a:r>
+              <a:rPr lang="en-US" altLang="ko-KR" sz="3200" dirty="0" smtClean="0"/>
+              <a:t>Example01_1 – </a:t>
+            </a:r>
+            <a:r>
+              <a:rPr lang="ko-KR" altLang="en-US" sz="3200" dirty="0" smtClean="0"/>
+              <a:t>최댓값을 구하자</a:t>
+            </a:r>
+            <a:endParaRPr lang="en-US" altLang="ko-KR" sz="4400" dirty="0"/>
+          </a:p>
+        </p:txBody>
+      </p:sp>
+      <p:pic>
+        <p:nvPicPr>
+          <p:cNvPr id="7" name="그림 6"/>
+          <p:cNvPicPr>
+            <a:picLocks noChangeAspect="1"/>
+          </p:cNvPicPr>
+          <p:nvPr/>
+        </p:nvPicPr>
+        <p:blipFill>
+          <a:blip r:embed="rId2"/>
+          <a:stretch>
+            <a:fillRect/>
+          </a:stretch>
+        </p:blipFill>
+        <p:spPr>
+          <a:xfrm>
+            <a:off x="4067944" y="952579"/>
+            <a:ext cx="4680520" cy="5653575"/>
+          </a:xfrm>
+          <a:prstGeom prst="rect">
+            <a:avLst/>
+          </a:prstGeom>
+        </p:spPr>
+      </p:pic>
+      <p:sp>
+        <p:nvSpPr>
+          <p:cNvPr id="17" name="직사각형 16"/>
+          <p:cNvSpPr/>
+          <p:nvPr/>
+        </p:nvSpPr>
+        <p:spPr>
+          <a:xfrm>
+            <a:off x="4922804" y="2428089"/>
+            <a:ext cx="1224136" cy="216024"/>
+          </a:xfrm>
+          <a:prstGeom prst="rect">
+            <a:avLst/>
+          </a:prstGeom>
+        </p:spPr>
+        <p:style>
+          <a:lnRef idx="2">
+            <a:schemeClr val="accent1">
+              <a:shade val="50000"/>
+            </a:schemeClr>
+          </a:lnRef>
+          <a:fillRef idx="1">
+            <a:schemeClr val="accent1"/>
+          </a:fillRef>
+          <a:effectRef idx="0">
+            <a:schemeClr val="accent1"/>
+          </a:effectRef>
+          <a:fontRef idx="minor">
+            <a:schemeClr val="lt1"/>
+          </a:fontRef>
+        </p:style>
+        <p:txBody>
+          <a:bodyPr rtlCol="0" anchor="ctr"/>
+          <a:lstStyle/>
+          <a:p>
+            <a:pPr algn="ctr"/>
+            <a:endParaRPr lang="ko-KR" altLang="en-US"/>
+          </a:p>
+        </p:txBody>
+      </p:sp>
+      <p:sp>
+        <p:nvSpPr>
+          <p:cNvPr id="18" name="직사각형 17"/>
+          <p:cNvSpPr/>
+          <p:nvPr/>
+        </p:nvSpPr>
+        <p:spPr>
+          <a:xfrm>
+            <a:off x="4950512" y="2681212"/>
+            <a:ext cx="1224136" cy="216024"/>
+          </a:xfrm>
+          <a:prstGeom prst="rect">
+            <a:avLst/>
+          </a:prstGeom>
+        </p:spPr>
+        <p:style>
+          <a:lnRef idx="2">
+            <a:schemeClr val="accent1">
+              <a:shade val="50000"/>
+            </a:schemeClr>
+          </a:lnRef>
+          <a:fillRef idx="1">
+            <a:schemeClr val="accent1"/>
+          </a:fillRef>
+          <a:effectRef idx="0">
+            <a:schemeClr val="accent1"/>
+          </a:effectRef>
+          <a:fontRef idx="minor">
+            <a:schemeClr val="lt1"/>
+          </a:fontRef>
+        </p:style>
+        <p:txBody>
+          <a:bodyPr rtlCol="0" anchor="ctr"/>
+          <a:lstStyle/>
+          <a:p>
+            <a:pPr algn="ctr"/>
+            <a:endParaRPr lang="ko-KR" altLang="en-US"/>
+          </a:p>
+        </p:txBody>
+      </p:sp>
+      <p:sp>
+        <p:nvSpPr>
+          <p:cNvPr id="19" name="직사각형 18"/>
+          <p:cNvSpPr/>
+          <p:nvPr/>
+        </p:nvSpPr>
+        <p:spPr>
+          <a:xfrm>
+            <a:off x="4932040" y="3823949"/>
+            <a:ext cx="1224136" cy="216024"/>
+          </a:xfrm>
+          <a:prstGeom prst="rect">
+            <a:avLst/>
+          </a:prstGeom>
+        </p:spPr>
+        <p:style>
+          <a:lnRef idx="2">
+            <a:schemeClr val="accent1">
+              <a:shade val="50000"/>
+            </a:schemeClr>
+          </a:lnRef>
+          <a:fillRef idx="1">
+            <a:schemeClr val="accent1"/>
+          </a:fillRef>
+          <a:effectRef idx="0">
+            <a:schemeClr val="accent1"/>
+          </a:effectRef>
+          <a:fontRef idx="minor">
+            <a:schemeClr val="lt1"/>
+          </a:fontRef>
+        </p:style>
+        <p:txBody>
+          <a:bodyPr rtlCol="0" anchor="ctr"/>
+          <a:lstStyle/>
+          <a:p>
+            <a:pPr algn="ctr"/>
+            <a:endParaRPr lang="ko-KR" altLang="en-US"/>
+          </a:p>
+        </p:txBody>
+      </p:sp>
+      <p:sp>
+        <p:nvSpPr>
+          <p:cNvPr id="20" name="직사각형 19"/>
+          <p:cNvSpPr/>
+          <p:nvPr/>
+        </p:nvSpPr>
+        <p:spPr>
+          <a:xfrm>
+            <a:off x="4959748" y="4077072"/>
+            <a:ext cx="1224136" cy="216024"/>
+          </a:xfrm>
+          <a:prstGeom prst="rect">
+            <a:avLst/>
+          </a:prstGeom>
+        </p:spPr>
+        <p:style>
+          <a:lnRef idx="2">
+            <a:schemeClr val="accent1">
+              <a:shade val="50000"/>
+            </a:schemeClr>
+          </a:lnRef>
+          <a:fillRef idx="1">
+            <a:schemeClr val="accent1"/>
+          </a:fillRef>
+          <a:effectRef idx="0">
+            <a:schemeClr val="accent1"/>
+          </a:effectRef>
+          <a:fontRef idx="minor">
+            <a:schemeClr val="lt1"/>
+          </a:fontRef>
+        </p:style>
+        <p:txBody>
+          <a:bodyPr rtlCol="0" anchor="ctr"/>
+          <a:lstStyle/>
+          <a:p>
+            <a:pPr algn="ctr"/>
+            <a:endParaRPr lang="ko-KR" altLang="en-US"/>
+          </a:p>
+        </p:txBody>
+      </p:sp>
+      <p:sp>
+        <p:nvSpPr>
+          <p:cNvPr id="21" name="직사각형 20"/>
+          <p:cNvSpPr/>
+          <p:nvPr/>
+        </p:nvSpPr>
+        <p:spPr>
+          <a:xfrm>
+            <a:off x="4932040" y="5192101"/>
+            <a:ext cx="1224136" cy="216024"/>
+          </a:xfrm>
+          <a:prstGeom prst="rect">
+            <a:avLst/>
+          </a:prstGeom>
+        </p:spPr>
+        <p:style>
+          <a:lnRef idx="2">
+            <a:schemeClr val="accent1">
+              <a:shade val="50000"/>
+            </a:schemeClr>
+          </a:lnRef>
+          <a:fillRef idx="1">
+            <a:schemeClr val="accent1"/>
+          </a:fillRef>
+          <a:effectRef idx="0">
+            <a:schemeClr val="accent1"/>
+          </a:effectRef>
+          <a:fontRef idx="minor">
+            <a:schemeClr val="lt1"/>
+          </a:fontRef>
+        </p:style>
+        <p:txBody>
+          <a:bodyPr rtlCol="0" anchor="ctr"/>
+          <a:lstStyle/>
+          <a:p>
+            <a:pPr algn="ctr"/>
+            <a:endParaRPr lang="ko-KR" altLang="en-US"/>
+          </a:p>
+        </p:txBody>
+      </p:sp>
+      <p:sp>
+        <p:nvSpPr>
+          <p:cNvPr id="22" name="직사각형 21"/>
+          <p:cNvSpPr/>
+          <p:nvPr/>
+        </p:nvSpPr>
+        <p:spPr>
+          <a:xfrm>
+            <a:off x="4959748" y="5445224"/>
+            <a:ext cx="1224136" cy="216024"/>
+          </a:xfrm>
+          <a:prstGeom prst="rect">
+            <a:avLst/>
+          </a:prstGeom>
+        </p:spPr>
+        <p:style>
+          <a:lnRef idx="2">
+            <a:schemeClr val="accent1">
+              <a:shade val="50000"/>
+            </a:schemeClr>
+          </a:lnRef>
+          <a:fillRef idx="1">
+            <a:schemeClr val="accent1"/>
+          </a:fillRef>
+          <a:effectRef idx="0">
+            <a:schemeClr val="accent1"/>
+          </a:effectRef>
+          <a:fontRef idx="minor">
+            <a:schemeClr val="lt1"/>
+          </a:fontRef>
+        </p:style>
+        <p:txBody>
+          <a:bodyPr rtlCol="0" anchor="ctr"/>
+          <a:lstStyle/>
+          <a:p>
+            <a:pPr algn="ctr"/>
+            <a:endParaRPr lang="ko-KR" altLang="en-US"/>
+          </a:p>
+        </p:txBody>
+      </p:sp>
+      <p:sp>
+        <p:nvSpPr>
+          <p:cNvPr id="23" name="TextBox 22"/>
+          <p:cNvSpPr txBox="1"/>
+          <p:nvPr/>
+        </p:nvSpPr>
+        <p:spPr>
+          <a:xfrm>
+            <a:off x="6516216" y="908720"/>
+            <a:ext cx="1271111" cy="584775"/>
+          </a:xfrm>
+          <a:prstGeom prst="rect">
+            <a:avLst/>
+          </a:prstGeom>
+          <a:noFill/>
+        </p:spPr>
+        <p:txBody>
+          <a:bodyPr wrap="square" rtlCol="0">
+            <a:spAutoFit/>
+          </a:bodyPr>
+          <a:lstStyle/>
+          <a:p>
+            <a:r>
+              <a:rPr lang="en-US" altLang="ko-KR" sz="3200" dirty="0">
+                <a:solidFill>
+                  <a:srgbClr val="FFFFFF"/>
+                </a:solidFill>
+              </a:rPr>
+              <a:t>Main()</a:t>
+            </a:r>
+            <a:r>
+              <a:rPr lang="ko-KR" altLang="en-US" sz="3200" dirty="0">
+                <a:solidFill>
+                  <a:srgbClr val="FFFFFF"/>
+                </a:solidFill>
+              </a:rPr>
+              <a:t> </a:t>
+            </a:r>
+            <a:endParaRPr lang="en-US" altLang="ko-KR" sz="3200" dirty="0">
+              <a:solidFill>
+                <a:srgbClr val="FFFFFF"/>
+              </a:solidFill>
+            </a:endParaRPr>
+          </a:p>
+        </p:txBody>
+      </p:sp>
+      <p:pic>
+        <p:nvPicPr>
+          <p:cNvPr id="8" name="그림 7"/>
+          <p:cNvPicPr>
+            <a:picLocks noChangeAspect="1"/>
+          </p:cNvPicPr>
+          <p:nvPr/>
+        </p:nvPicPr>
+        <p:blipFill>
+          <a:blip r:embed="rId3"/>
+          <a:stretch>
+            <a:fillRect/>
+          </a:stretch>
+        </p:blipFill>
+        <p:spPr>
+          <a:xfrm>
+            <a:off x="179512" y="1592072"/>
+            <a:ext cx="3274565" cy="2701024"/>
+          </a:xfrm>
+          <a:prstGeom prst="rect">
+            <a:avLst/>
+          </a:prstGeom>
+        </p:spPr>
+      </p:pic>
+      <p:sp>
+        <p:nvSpPr>
+          <p:cNvPr id="24" name="TextBox 23"/>
+          <p:cNvSpPr txBox="1"/>
+          <p:nvPr/>
+        </p:nvSpPr>
+        <p:spPr>
+          <a:xfrm>
+            <a:off x="107504" y="980728"/>
+            <a:ext cx="1271111" cy="584775"/>
+          </a:xfrm>
+          <a:prstGeom prst="rect">
+            <a:avLst/>
+          </a:prstGeom>
+          <a:noFill/>
+        </p:spPr>
+        <p:txBody>
+          <a:bodyPr wrap="square" rtlCol="0">
+            <a:spAutoFit/>
+          </a:bodyPr>
+          <a:lstStyle/>
+          <a:p>
+            <a:r>
+              <a:rPr lang="ko-KR" altLang="en-US" sz="3200" dirty="0" smtClean="0">
+                <a:solidFill>
+                  <a:srgbClr val="FFFFFF"/>
+                </a:solidFill>
+              </a:rPr>
+              <a:t>결과</a:t>
+            </a:r>
+            <a:endParaRPr lang="en-US" altLang="ko-KR" sz="3200" dirty="0">
+              <a:solidFill>
+                <a:srgbClr val="FFFFFF"/>
+              </a:solidFill>
+            </a:endParaRPr>
+          </a:p>
+        </p:txBody>
+      </p:sp>
+    </p:spTree>
+    <p:extLst>
+      <p:ext uri="{BB962C8B-B14F-4D97-AF65-F5344CB8AC3E}">
+        <p14:creationId xmlns:p14="http://schemas.microsoft.com/office/powerpoint/2010/main" val="1878198730"/>
+      </p:ext>
+    </p:extLst>
+  </p:cSld>
+  <p:clrMapOvr>
+    <a:masterClrMapping/>
+  </p:clrMapOvr>
+  <p:timing>
+    <p:tnLst>
+      <p:par>
+        <p:cTn id="1" dur="indefinite" restart="never" nodeType="tmRoot"/>
+      </p:par>
+    </p:tnLst>
+  </p:timing>
+</p:sld>
+</file>
+
+<file path=ppt/slides/slide6.xml><?xml version="1.0" encoding="utf-8"?>
+<p:sld xmlns:a="http://schemas.openxmlformats.org/drawingml/2006/main" xmlns:r="http://schemas.openxmlformats.org/officeDocument/2006/relationships" xmlns:p="http://schemas.openxmlformats.org/presentationml/2006/main">
+  <p:cSld>
+    <p:spTree>
+      <p:nvGrpSpPr>
+        <p:cNvPr id="1" name=""/>
+        <p:cNvGrpSpPr/>
+        <p:nvPr/>
+      </p:nvGrpSpPr>
+      <p:grpSpPr>
+        <a:xfrm>
+          <a:off x="0" y="0"/>
+          <a:ext cx="0" cy="0"/>
+          <a:chOff x="0" y="0"/>
+          <a:chExt cx="0" cy="0"/>
+        </a:xfrm>
+      </p:grpSpPr>
+      <p:sp>
+        <p:nvSpPr>
+          <p:cNvPr id="9" name="부제목 2"/>
+          <p:cNvSpPr>
+            <a:spLocks noGrp="1"/>
+          </p:cNvSpPr>
+          <p:nvPr>
+            <p:ph type="subTitle" idx="1"/>
+          </p:nvPr>
+        </p:nvSpPr>
+        <p:spPr>
+          <a:xfrm>
+            <a:off x="1" y="131886"/>
+            <a:ext cx="7669091" cy="606671"/>
+          </a:xfrm>
+        </p:spPr>
+        <p:txBody>
+          <a:bodyPr>
+            <a:normAutofit fontScale="92500" lnSpcReduction="20000"/>
+          </a:bodyPr>
+          <a:lstStyle/>
+          <a:p>
+            <a:pPr algn="l"/>
+            <a:r>
+              <a:rPr lang="ko-KR" altLang="en-US" sz="4400" dirty="0" smtClean="0"/>
+              <a:t>답</a:t>
+            </a:r>
+            <a:endParaRPr lang="en-US" altLang="ko-KR" sz="4400" dirty="0"/>
+          </a:p>
+        </p:txBody>
+      </p:sp>
+      <p:pic>
+        <p:nvPicPr>
+          <p:cNvPr id="5" name="그림 4"/>
+          <p:cNvPicPr>
+            <a:picLocks noChangeAspect="1"/>
+          </p:cNvPicPr>
+          <p:nvPr/>
+        </p:nvPicPr>
+        <p:blipFill>
+          <a:blip r:embed="rId2"/>
+          <a:stretch>
+            <a:fillRect/>
+          </a:stretch>
+        </p:blipFill>
+        <p:spPr>
+          <a:xfrm>
+            <a:off x="1691680" y="332656"/>
+            <a:ext cx="5184576" cy="6262422"/>
+          </a:xfrm>
+          <a:prstGeom prst="rect">
+            <a:avLst/>
+          </a:prstGeom>
+        </p:spPr>
+      </p:pic>
+    </p:spTree>
+    <p:extLst>
+      <p:ext uri="{BB962C8B-B14F-4D97-AF65-F5344CB8AC3E}">
+        <p14:creationId xmlns:p14="http://schemas.microsoft.com/office/powerpoint/2010/main" val="2221595427"/>
+      </p:ext>
+    </p:extLst>
+  </p:cSld>
+  <p:clrMapOvr>
+    <a:masterClrMapping/>
+  </p:clrMapOvr>
+  <p:timing>
+    <p:tnLst>
+      <p:par>
+        <p:cTn id="1" dur="indefinite" restart="never" nodeType="tmRoot"/>
+      </p:par>
+    </p:tnLst>
+  </p:timing>
+</p:sld>
+</file>
+
+<file path=ppt/slides/slide7.xml><?xml version="1.0" encoding="utf-8"?>
+<p:sld xmlns:a="http://schemas.openxmlformats.org/drawingml/2006/main" xmlns:r="http://schemas.openxmlformats.org/officeDocument/2006/relationships" xmlns:p="http://schemas.openxmlformats.org/presentationml/2006/main">
+  <p:cSld>
+    <p:spTree>
+      <p:nvGrpSpPr>
+        <p:cNvPr id="1" name=""/>
+        <p:cNvGrpSpPr/>
+        <p:nvPr/>
+      </p:nvGrpSpPr>
+      <p:grpSpPr>
+        <a:xfrm>
+          <a:off x="0" y="0"/>
+          <a:ext cx="0" cy="0"/>
+          <a:chOff x="0" y="0"/>
+          <a:chExt cx="0" cy="0"/>
+        </a:xfrm>
+      </p:grpSpPr>
       <p:pic>
         <p:nvPicPr>
           <p:cNvPr id="3" name="그림 2"/>
@@ -8093,7 +9199,7 @@
 </p:sld>
 </file>
 
-<file path=ppt/slides/slide6.xml><?xml version="1.0" encoding="utf-8"?>
+<file path=ppt/slides/slide8.xml><?xml version="1.0" encoding="utf-8"?>
 <p:sld xmlns:a="http://schemas.openxmlformats.org/drawingml/2006/main" xmlns:r="http://schemas.openxmlformats.org/officeDocument/2006/relationships" xmlns:p="http://schemas.openxmlformats.org/presentationml/2006/main">
   <p:cSld>
     <p:spTree>
@@ -8542,7 +9648,7 @@
 </p:sld>
 </file>
 
-<file path=ppt/slides/slide7.xml><?xml version="1.0" encoding="utf-8"?>
+<file path=ppt/slides/slide9.xml><?xml version="1.0" encoding="utf-8"?>
 <p:sld xmlns:a="http://schemas.openxmlformats.org/drawingml/2006/main" xmlns:r="http://schemas.openxmlformats.org/officeDocument/2006/relationships" xmlns:p="http://schemas.openxmlformats.org/presentationml/2006/main">
   <p:cSld>
     <p:spTree>
@@ -9061,519 +10167,6 @@
             </p:seq>
           </p:childTnLst>
         </p:cTn>
-      </p:par>
-    </p:tnLst>
-  </p:timing>
-</p:sld>
-</file>
-
-<file path=ppt/slides/slide8.xml><?xml version="1.0" encoding="utf-8"?>
-<p:sld xmlns:a="http://schemas.openxmlformats.org/drawingml/2006/main" xmlns:r="http://schemas.openxmlformats.org/officeDocument/2006/relationships" xmlns:p="http://schemas.openxmlformats.org/presentationml/2006/main">
-  <p:cSld>
-    <p:spTree>
-      <p:nvGrpSpPr>
-        <p:cNvPr id="1" name=""/>
-        <p:cNvGrpSpPr/>
-        <p:nvPr/>
-      </p:nvGrpSpPr>
-      <p:grpSpPr>
-        <a:xfrm>
-          <a:off x="0" y="0"/>
-          <a:ext cx="0" cy="0"/>
-          <a:chOff x="0" y="0"/>
-          <a:chExt cx="0" cy="0"/>
-        </a:xfrm>
-      </p:grpSpPr>
-      <p:sp>
-        <p:nvSpPr>
-          <p:cNvPr id="6" name="부제목 2"/>
-          <p:cNvSpPr>
-            <a:spLocks noGrp="1"/>
-          </p:cNvSpPr>
-          <p:nvPr>
-            <p:ph type="subTitle" idx="1"/>
-          </p:nvPr>
-        </p:nvSpPr>
-        <p:spPr>
-          <a:xfrm>
-            <a:off x="1" y="131886"/>
-            <a:ext cx="8820471" cy="1136874"/>
-          </a:xfrm>
-        </p:spPr>
-        <p:txBody>
-          <a:bodyPr>
-            <a:normAutofit/>
-          </a:bodyPr>
-          <a:lstStyle/>
-          <a:p>
-            <a:pPr algn="l"/>
-            <a:r>
-              <a:rPr lang="ko-KR" altLang="en-US" sz="3200" dirty="0" err="1" smtClean="0"/>
-              <a:t>반복문</a:t>
-            </a:r>
-            <a:r>
-              <a:rPr lang="ko-KR" altLang="en-US" sz="3200" dirty="0" smtClean="0"/>
-              <a:t> 이란</a:t>
-            </a:r>
-            <a:r>
-              <a:rPr lang="en-US" altLang="ko-KR" sz="3200" dirty="0" smtClean="0"/>
-              <a:t>??</a:t>
-            </a:r>
-            <a:endParaRPr lang="en-US" altLang="ko-KR" sz="4400" dirty="0"/>
-          </a:p>
-        </p:txBody>
-      </p:sp>
-      <p:sp>
-        <p:nvSpPr>
-          <p:cNvPr id="4" name="TextBox 3"/>
-          <p:cNvSpPr txBox="1"/>
-          <p:nvPr/>
-        </p:nvSpPr>
-        <p:spPr>
-          <a:xfrm>
-            <a:off x="1817758" y="1370112"/>
-            <a:ext cx="5184576" cy="584775"/>
-          </a:xfrm>
-          <a:prstGeom prst="rect">
-            <a:avLst/>
-          </a:prstGeom>
-          <a:noFill/>
-        </p:spPr>
-        <p:txBody>
-          <a:bodyPr wrap="square" rtlCol="0">
-            <a:spAutoFit/>
-          </a:bodyPr>
-          <a:lstStyle/>
-          <a:p>
-            <a:r>
-              <a:rPr lang="en-US" altLang="ko-KR" sz="3200" dirty="0" smtClean="0"/>
-              <a:t>for(</a:t>
-            </a:r>
-            <a:r>
-              <a:rPr lang="en-US" altLang="ko-KR" sz="3200" dirty="0" err="1" smtClean="0"/>
-              <a:t>i</a:t>
-            </a:r>
-            <a:r>
-              <a:rPr lang="en-US" altLang="ko-KR" sz="3200" dirty="0" smtClean="0"/>
-              <a:t>=0</a:t>
-            </a:r>
-            <a:r>
-              <a:rPr lang="ko-KR" altLang="en-US" sz="3200" dirty="0" smtClean="0"/>
-              <a:t> </a:t>
-            </a:r>
-            <a:r>
-              <a:rPr lang="en-US" altLang="ko-KR" sz="3200" dirty="0" smtClean="0"/>
-              <a:t>; </a:t>
-            </a:r>
-            <a:r>
-              <a:rPr lang="en-US" altLang="ko-KR" sz="3200" dirty="0" err="1" smtClean="0"/>
-              <a:t>i</a:t>
-            </a:r>
-            <a:r>
-              <a:rPr lang="en-US" altLang="ko-KR" sz="3200" dirty="0" smtClean="0"/>
-              <a:t>&lt;10</a:t>
-            </a:r>
-            <a:r>
-              <a:rPr lang="ko-KR" altLang="en-US" sz="3200" dirty="0" smtClean="0"/>
-              <a:t> </a:t>
-            </a:r>
-            <a:r>
-              <a:rPr lang="en-US" altLang="ko-KR" sz="3200" dirty="0" smtClean="0"/>
-              <a:t>; </a:t>
-            </a:r>
-            <a:r>
-              <a:rPr lang="en-US" altLang="ko-KR" sz="3200" dirty="0" err="1" smtClean="0"/>
-              <a:t>i</a:t>
-            </a:r>
-            <a:r>
-              <a:rPr lang="en-US" altLang="ko-KR" sz="3200" dirty="0" smtClean="0"/>
-              <a:t>++) {</a:t>
-            </a:r>
-            <a:endParaRPr lang="ko-KR" altLang="en-US" sz="3200" dirty="0"/>
-          </a:p>
-        </p:txBody>
-      </p:sp>
-      <p:pic>
-        <p:nvPicPr>
-          <p:cNvPr id="12" name="그림 11"/>
-          <p:cNvPicPr>
-            <a:picLocks noChangeAspect="1"/>
-          </p:cNvPicPr>
-          <p:nvPr/>
-        </p:nvPicPr>
-        <p:blipFill>
-          <a:blip r:embed="rId2"/>
-          <a:stretch>
-            <a:fillRect/>
-          </a:stretch>
-        </p:blipFill>
-        <p:spPr>
-          <a:xfrm>
-            <a:off x="2195736" y="2360636"/>
-            <a:ext cx="5644332" cy="1864794"/>
-          </a:xfrm>
-          <a:prstGeom prst="rect">
-            <a:avLst/>
-          </a:prstGeom>
-        </p:spPr>
-      </p:pic>
-      <p:sp>
-        <p:nvSpPr>
-          <p:cNvPr id="13" name="TextBox 12"/>
-          <p:cNvSpPr txBox="1"/>
-          <p:nvPr/>
-        </p:nvSpPr>
-        <p:spPr>
-          <a:xfrm>
-            <a:off x="1907704" y="4911557"/>
-            <a:ext cx="5184576" cy="584775"/>
-          </a:xfrm>
-          <a:prstGeom prst="rect">
-            <a:avLst/>
-          </a:prstGeom>
-          <a:noFill/>
-        </p:spPr>
-        <p:txBody>
-          <a:bodyPr wrap="square" rtlCol="0">
-            <a:spAutoFit/>
-          </a:bodyPr>
-          <a:lstStyle/>
-          <a:p>
-            <a:r>
-              <a:rPr lang="en-US" altLang="ko-KR" sz="3200" dirty="0" smtClean="0"/>
-              <a:t>}</a:t>
-            </a:r>
-            <a:endParaRPr lang="ko-KR" altLang="en-US" sz="3200" dirty="0"/>
-          </a:p>
-        </p:txBody>
-      </p:sp>
-      <p:cxnSp>
-        <p:nvCxnSpPr>
-          <p:cNvPr id="5" name="직선 연결선 4"/>
-          <p:cNvCxnSpPr/>
-          <p:nvPr/>
-        </p:nvCxnSpPr>
-        <p:spPr>
-          <a:xfrm flipV="1">
-            <a:off x="4067944" y="1628800"/>
-            <a:ext cx="3960440" cy="72008"/>
-          </a:xfrm>
-          <a:prstGeom prst="line">
-            <a:avLst/>
-          </a:prstGeom>
-          <a:ln w="28575">
-            <a:solidFill>
-              <a:srgbClr val="FF0000"/>
-            </a:solidFill>
-          </a:ln>
-        </p:spPr>
-        <p:style>
-          <a:lnRef idx="1">
-            <a:schemeClr val="accent1"/>
-          </a:lnRef>
-          <a:fillRef idx="0">
-            <a:schemeClr val="accent1"/>
-          </a:fillRef>
-          <a:effectRef idx="0">
-            <a:schemeClr val="accent1"/>
-          </a:effectRef>
-          <a:fontRef idx="minor">
-            <a:schemeClr val="tx1"/>
-          </a:fontRef>
-        </p:style>
-      </p:cxnSp>
-      <p:cxnSp>
-        <p:nvCxnSpPr>
-          <p:cNvPr id="10" name="꺾인 연결선 9"/>
-          <p:cNvCxnSpPr/>
-          <p:nvPr/>
-        </p:nvCxnSpPr>
-        <p:spPr>
-          <a:xfrm rot="10800000" flipV="1">
-            <a:off x="2123728" y="1628800"/>
-            <a:ext cx="5904656" cy="4104456"/>
-          </a:xfrm>
-          <a:prstGeom prst="bentConnector3">
-            <a:avLst>
-              <a:gd name="adj1" fmla="val -56"/>
-            </a:avLst>
-          </a:prstGeom>
-          <a:ln w="28575">
-            <a:solidFill>
-              <a:srgbClr val="FF0000"/>
-            </a:solidFill>
-            <a:tailEnd type="triangle"/>
-          </a:ln>
-        </p:spPr>
-        <p:style>
-          <a:lnRef idx="1">
-            <a:schemeClr val="accent1"/>
-          </a:lnRef>
-          <a:fillRef idx="0">
-            <a:schemeClr val="accent1"/>
-          </a:fillRef>
-          <a:effectRef idx="0">
-            <a:schemeClr val="accent1"/>
-          </a:effectRef>
-          <a:fontRef idx="minor">
-            <a:schemeClr val="tx1"/>
-          </a:fontRef>
-        </p:style>
-      </p:cxnSp>
-    </p:spTree>
-    <p:extLst>
-      <p:ext uri="{BB962C8B-B14F-4D97-AF65-F5344CB8AC3E}">
-        <p14:creationId xmlns:p14="http://schemas.microsoft.com/office/powerpoint/2010/main" val="1006288375"/>
-      </p:ext>
-    </p:extLst>
-  </p:cSld>
-  <p:clrMapOvr>
-    <a:masterClrMapping/>
-  </p:clrMapOvr>
-  <p:timing>
-    <p:tnLst>
-      <p:par>
-        <p:cTn id="1" dur="indefinite" restart="never" nodeType="tmRoot">
-          <p:childTnLst>
-            <p:seq concurrent="1" nextAc="seek">
-              <p:cTn id="2" dur="indefinite" nodeType="mainSeq">
-                <p:childTnLst>
-                  <p:par>
-                    <p:cTn id="3" fill="hold">
-                      <p:stCondLst>
-                        <p:cond delay="indefinite"/>
-                      </p:stCondLst>
-                      <p:childTnLst>
-                        <p:par>
-                          <p:cTn id="4" fill="hold">
-                            <p:stCondLst>
-                              <p:cond delay="0"/>
-                            </p:stCondLst>
-                            <p:childTnLst>
-                              <p:par>
-                                <p:cTn id="5" presetID="1" presetClass="entr" presetSubtype="0" fill="hold" nodeType="clickEffect">
-                                  <p:stCondLst>
-                                    <p:cond delay="0"/>
-                                  </p:stCondLst>
-                                  <p:childTnLst>
-                                    <p:set>
-                                      <p:cBhvr>
-                                        <p:cTn id="6" dur="1" fill="hold">
-                                          <p:stCondLst>
-                                            <p:cond delay="0"/>
-                                          </p:stCondLst>
-                                        </p:cTn>
-                                        <p:tgtEl>
-                                          <p:spTgt spid="5"/>
-                                        </p:tgtEl>
-                                        <p:attrNameLst>
-                                          <p:attrName>style.visibility</p:attrName>
-                                        </p:attrNameLst>
-                                      </p:cBhvr>
-                                      <p:to>
-                                        <p:strVal val="visible"/>
-                                      </p:to>
-                                    </p:set>
-                                  </p:childTnLst>
-                                </p:cTn>
-                              </p:par>
-                              <p:par>
-                                <p:cTn id="7" presetID="1" presetClass="entr" presetSubtype="0" fill="hold" nodeType="withEffect">
-                                  <p:stCondLst>
-                                    <p:cond delay="0"/>
-                                  </p:stCondLst>
-                                  <p:childTnLst>
-                                    <p:set>
-                                      <p:cBhvr>
-                                        <p:cTn id="8" dur="1" fill="hold">
-                                          <p:stCondLst>
-                                            <p:cond delay="0"/>
-                                          </p:stCondLst>
-                                        </p:cTn>
-                                        <p:tgtEl>
-                                          <p:spTgt spid="10"/>
-                                        </p:tgtEl>
-                                        <p:attrNameLst>
-                                          <p:attrName>style.visibility</p:attrName>
-                                        </p:attrNameLst>
-                                      </p:cBhvr>
-                                      <p:to>
-                                        <p:strVal val="visible"/>
-                                      </p:to>
-                                    </p:set>
-                                  </p:childTnLst>
-                                </p:cTn>
-                              </p:par>
-                            </p:childTnLst>
-                          </p:cTn>
-                        </p:par>
-                      </p:childTnLst>
-                    </p:cTn>
-                  </p:par>
-                </p:childTnLst>
-              </p:cTn>
-              <p:prevCondLst>
-                <p:cond evt="onPrev" delay="0">
-                  <p:tgtEl>
-                    <p:sldTgt/>
-                  </p:tgtEl>
-                </p:cond>
-              </p:prevCondLst>
-              <p:nextCondLst>
-                <p:cond evt="onNext" delay="0">
-                  <p:tgtEl>
-                    <p:sldTgt/>
-                  </p:tgtEl>
-                </p:cond>
-              </p:nextCondLst>
-            </p:seq>
-          </p:childTnLst>
-        </p:cTn>
-      </p:par>
-    </p:tnLst>
-  </p:timing>
-</p:sld>
-</file>
-
-<file path=ppt/slides/slide9.xml><?xml version="1.0" encoding="utf-8"?>
-<p:sld xmlns:a="http://schemas.openxmlformats.org/drawingml/2006/main" xmlns:r="http://schemas.openxmlformats.org/officeDocument/2006/relationships" xmlns:p="http://schemas.openxmlformats.org/presentationml/2006/main">
-  <p:cSld>
-    <p:spTree>
-      <p:nvGrpSpPr>
-        <p:cNvPr id="1" name=""/>
-        <p:cNvGrpSpPr/>
-        <p:nvPr/>
-      </p:nvGrpSpPr>
-      <p:grpSpPr>
-        <a:xfrm>
-          <a:off x="0" y="0"/>
-          <a:ext cx="0" cy="0"/>
-          <a:chOff x="0" y="0"/>
-          <a:chExt cx="0" cy="0"/>
-        </a:xfrm>
-      </p:grpSpPr>
-      <p:sp>
-        <p:nvSpPr>
-          <p:cNvPr id="5" name="부제목 2"/>
-          <p:cNvSpPr>
-            <a:spLocks noGrp="1"/>
-          </p:cNvSpPr>
-          <p:nvPr>
-            <p:ph type="subTitle" idx="1"/>
-          </p:nvPr>
-        </p:nvSpPr>
-        <p:spPr>
-          <a:xfrm>
-            <a:off x="1" y="131886"/>
-            <a:ext cx="8820471" cy="1136874"/>
-          </a:xfrm>
-        </p:spPr>
-        <p:txBody>
-          <a:bodyPr>
-            <a:normAutofit/>
-          </a:bodyPr>
-          <a:lstStyle/>
-          <a:p>
-            <a:pPr algn="l"/>
-            <a:r>
-              <a:rPr lang="en-US" altLang="ko-KR" sz="3200" dirty="0" smtClean="0"/>
-              <a:t>Example01_2 –</a:t>
-            </a:r>
-            <a:r>
-              <a:rPr lang="ko-KR" altLang="en-US" sz="3200" dirty="0" smtClean="0"/>
-              <a:t>최댓값을 구하자 </a:t>
-            </a:r>
-            <a:r>
-              <a:rPr lang="en-US" altLang="ko-KR" sz="3200" dirty="0" smtClean="0"/>
-              <a:t>(feat.</a:t>
-            </a:r>
-            <a:r>
-              <a:rPr lang="ko-KR" altLang="en-US" sz="3200" dirty="0" err="1" smtClean="0"/>
-              <a:t>반복문</a:t>
-            </a:r>
-            <a:r>
-              <a:rPr lang="en-US" altLang="ko-KR" sz="3200" dirty="0" smtClean="0"/>
-              <a:t>)</a:t>
-            </a:r>
-          </a:p>
-        </p:txBody>
-      </p:sp>
-      <p:sp>
-        <p:nvSpPr>
-          <p:cNvPr id="14" name="TextBox 13"/>
-          <p:cNvSpPr txBox="1"/>
-          <p:nvPr/>
-        </p:nvSpPr>
-        <p:spPr>
-          <a:xfrm>
-            <a:off x="827584" y="1128313"/>
-            <a:ext cx="1271111" cy="584775"/>
-          </a:xfrm>
-          <a:prstGeom prst="rect">
-            <a:avLst/>
-          </a:prstGeom>
-          <a:noFill/>
-        </p:spPr>
-        <p:txBody>
-          <a:bodyPr wrap="square" rtlCol="0">
-            <a:spAutoFit/>
-          </a:bodyPr>
-          <a:lstStyle/>
-          <a:p>
-            <a:r>
-              <a:rPr lang="ko-KR" altLang="en-US" sz="3200" dirty="0" smtClean="0">
-                <a:solidFill>
-                  <a:srgbClr val="FFFFFF"/>
-                </a:solidFill>
-              </a:rPr>
-              <a:t>결과</a:t>
-            </a:r>
-            <a:endParaRPr lang="en-US" altLang="ko-KR" sz="3200" dirty="0">
-              <a:solidFill>
-                <a:srgbClr val="FFFFFF"/>
-              </a:solidFill>
-            </a:endParaRPr>
-          </a:p>
-        </p:txBody>
-      </p:sp>
-      <p:pic>
-        <p:nvPicPr>
-          <p:cNvPr id="3" name="그림 2"/>
-          <p:cNvPicPr>
-            <a:picLocks noChangeAspect="1"/>
-          </p:cNvPicPr>
-          <p:nvPr/>
-        </p:nvPicPr>
-        <p:blipFill>
-          <a:blip r:embed="rId2"/>
-          <a:stretch>
-            <a:fillRect/>
-          </a:stretch>
-        </p:blipFill>
-        <p:spPr>
-          <a:xfrm>
-            <a:off x="2071978" y="1484784"/>
-            <a:ext cx="4777561" cy="4444698"/>
-          </a:xfrm>
-          <a:prstGeom prst="rect">
-            <a:avLst/>
-          </a:prstGeom>
-        </p:spPr>
-      </p:pic>
-    </p:spTree>
-    <p:extLst>
-      <p:ext uri="{BB962C8B-B14F-4D97-AF65-F5344CB8AC3E}">
-        <p14:creationId xmlns:p14="http://schemas.microsoft.com/office/powerpoint/2010/main" val="1200531362"/>
-      </p:ext>
-    </p:extLst>
-  </p:cSld>
-  <p:clrMapOvr>
-    <a:masterClrMapping/>
-  </p:clrMapOvr>
-  <p:timing>
-    <p:tnLst>
-      <p:par>
-        <p:cTn id="1" dur="indefinite" restart="never" nodeType="tmRoot"/>
       </p:par>
     </p:tnLst>
   </p:timing>
@@ -9834,7 +10427,7 @@
   <a:extraClrSchemeLst/>
   <a:extLst>
     <a:ext uri="{05A4C25C-085E-4340-85A3-A5531E510DB2}">
-      <thm15:themeFamily xmlns:thm15="http://schemas.microsoft.com/office/thememl/2012/main" name="Parcel" id="{8BEC4385-4EB9-4D53-BFB5-0EA123736B6D}" vid="{4DB32801-28C0-48B0-8C1D-A9A58613615A}"/>
+      <thm15:themeFamily xmlns:thm15="http://schemas.microsoft.com/office/thememl/2012/main" xmlns="" name="Parcel" id="{8BEC4385-4EB9-4D53-BFB5-0EA123736B6D}" vid="{4DB32801-28C0-48B0-8C1D-A9A58613615A}"/>
     </a:ext>
   </a:extLst>
 </a:theme>
